--- a/Documentacao/Apresentação TG - QuizFATEC.pptx
+++ b/Documentacao/Apresentação TG - QuizFATEC.pptx
@@ -10,13 +10,13 @@
     <p:sldId id="275" r:id="rId4"/>
     <p:sldId id="258" r:id="rId5"/>
     <p:sldId id="260" r:id="rId6"/>
-    <p:sldId id="259" r:id="rId7"/>
-    <p:sldId id="274" r:id="rId8"/>
+    <p:sldId id="274" r:id="rId7"/>
+    <p:sldId id="259" r:id="rId8"/>
     <p:sldId id="261" r:id="rId9"/>
     <p:sldId id="263" r:id="rId10"/>
-    <p:sldId id="264" r:id="rId11"/>
-    <p:sldId id="265" r:id="rId12"/>
-    <p:sldId id="266" r:id="rId13"/>
+    <p:sldId id="265" r:id="rId11"/>
+    <p:sldId id="266" r:id="rId12"/>
+    <p:sldId id="264" r:id="rId13"/>
     <p:sldId id="273" r:id="rId14"/>
     <p:sldId id="268" r:id="rId15"/>
     <p:sldId id="267" r:id="rId16"/>
@@ -128,6 +128,11 @@
       </a:defRPr>
     </a:lvl9pPr>
   </p:defaultTextStyle>
+  <p:extLst>
+    <p:ext uri="{EFAFB233-063F-42B5-8137-9DF3F51BA10A}">
+      <p15:sldGuideLst xmlns:p15="http://schemas.microsoft.com/office/powerpoint/2012/main"/>
+    </p:ext>
+  </p:extLst>
 </p:presentation>
 </file>
 
@@ -180,6 +185,11 @@
               </a:ln>
               <a:effectLst/>
             </c:spPr>
+            <c:extLst>
+              <c:ext xmlns:c16="http://schemas.microsoft.com/office/drawing/2014/chart" uri="{C3380CC4-5D6E-409C-BE32-E72D297353CC}">
+                <c16:uniqueId val="{00000001-1AF7-47DF-BABB-EF4CF4D9CB01}"/>
+              </c:ext>
+            </c:extLst>
           </c:dPt>
           <c:dPt>
             <c:idx val="1"/>
@@ -197,6 +207,11 @@
               </a:ln>
               <a:effectLst/>
             </c:spPr>
+            <c:extLst>
+              <c:ext xmlns:c16="http://schemas.microsoft.com/office/drawing/2014/chart" uri="{C3380CC4-5D6E-409C-BE32-E72D297353CC}">
+                <c16:uniqueId val="{00000003-1AF7-47DF-BABB-EF4CF4D9CB01}"/>
+              </c:ext>
+            </c:extLst>
           </c:dPt>
           <c:dPt>
             <c:idx val="2"/>
@@ -214,6 +229,11 @@
               </a:ln>
               <a:effectLst/>
             </c:spPr>
+            <c:extLst>
+              <c:ext xmlns:c16="http://schemas.microsoft.com/office/drawing/2014/chart" uri="{C3380CC4-5D6E-409C-BE32-E72D297353CC}">
+                <c16:uniqueId val="{00000005-1AF7-47DF-BABB-EF4CF4D9CB01}"/>
+              </c:ext>
+            </c:extLst>
           </c:dPt>
           <c:dPt>
             <c:idx val="3"/>
@@ -231,6 +251,11 @@
               </a:ln>
               <a:effectLst/>
             </c:spPr>
+            <c:extLst>
+              <c:ext xmlns:c16="http://schemas.microsoft.com/office/drawing/2014/chart" uri="{C3380CC4-5D6E-409C-BE32-E72D297353CC}">
+                <c16:uniqueId val="{00000007-1AF7-47DF-BABB-EF4CF4D9CB01}"/>
+              </c:ext>
+            </c:extLst>
           </c:dPt>
           <c:dLbls>
             <c:spPr>
@@ -1092,7 +1117,7 @@
           <a:p>
             <a:fld id="{391BA8BA-4A05-469E-8C42-FC9DD0572308}" type="datetimeFigureOut">
               <a:rPr lang="pt-BR" smtClean="0"/>
-              <a:t>02/02/2020</a:t>
+              <a:t>11/02/2020</a:t>
             </a:fld>
             <a:endParaRPr lang="pt-BR"/>
           </a:p>
@@ -1290,7 +1315,7 @@
           <a:p>
             <a:fld id="{391BA8BA-4A05-469E-8C42-FC9DD0572308}" type="datetimeFigureOut">
               <a:rPr lang="pt-BR" smtClean="0"/>
-              <a:t>02/02/2020</a:t>
+              <a:t>11/02/2020</a:t>
             </a:fld>
             <a:endParaRPr lang="pt-BR"/>
           </a:p>
@@ -1498,7 +1523,7 @@
           <a:p>
             <a:fld id="{391BA8BA-4A05-469E-8C42-FC9DD0572308}" type="datetimeFigureOut">
               <a:rPr lang="pt-BR" smtClean="0"/>
-              <a:t>02/02/2020</a:t>
+              <a:t>11/02/2020</a:t>
             </a:fld>
             <a:endParaRPr lang="pt-BR"/>
           </a:p>
@@ -1696,7 +1721,7 @@
           <a:p>
             <a:fld id="{391BA8BA-4A05-469E-8C42-FC9DD0572308}" type="datetimeFigureOut">
               <a:rPr lang="pt-BR" smtClean="0"/>
-              <a:t>02/02/2020</a:t>
+              <a:t>11/02/2020</a:t>
             </a:fld>
             <a:endParaRPr lang="pt-BR"/>
           </a:p>
@@ -1971,7 +1996,7 @@
           <a:p>
             <a:fld id="{391BA8BA-4A05-469E-8C42-FC9DD0572308}" type="datetimeFigureOut">
               <a:rPr lang="pt-BR" smtClean="0"/>
-              <a:t>02/02/2020</a:t>
+              <a:t>11/02/2020</a:t>
             </a:fld>
             <a:endParaRPr lang="pt-BR"/>
           </a:p>
@@ -2236,7 +2261,7 @@
           <a:p>
             <a:fld id="{391BA8BA-4A05-469E-8C42-FC9DD0572308}" type="datetimeFigureOut">
               <a:rPr lang="pt-BR" smtClean="0"/>
-              <a:t>02/02/2020</a:t>
+              <a:t>11/02/2020</a:t>
             </a:fld>
             <a:endParaRPr lang="pt-BR"/>
           </a:p>
@@ -2648,7 +2673,7 @@
           <a:p>
             <a:fld id="{391BA8BA-4A05-469E-8C42-FC9DD0572308}" type="datetimeFigureOut">
               <a:rPr lang="pt-BR" smtClean="0"/>
-              <a:t>02/02/2020</a:t>
+              <a:t>11/02/2020</a:t>
             </a:fld>
             <a:endParaRPr lang="pt-BR"/>
           </a:p>
@@ -2789,7 +2814,7 @@
           <a:p>
             <a:fld id="{391BA8BA-4A05-469E-8C42-FC9DD0572308}" type="datetimeFigureOut">
               <a:rPr lang="pt-BR" smtClean="0"/>
-              <a:t>02/02/2020</a:t>
+              <a:t>11/02/2020</a:t>
             </a:fld>
             <a:endParaRPr lang="pt-BR"/>
           </a:p>
@@ -2902,7 +2927,7 @@
           <a:p>
             <a:fld id="{391BA8BA-4A05-469E-8C42-FC9DD0572308}" type="datetimeFigureOut">
               <a:rPr lang="pt-BR" smtClean="0"/>
-              <a:t>02/02/2020</a:t>
+              <a:t>11/02/2020</a:t>
             </a:fld>
             <a:endParaRPr lang="pt-BR"/>
           </a:p>
@@ -3213,7 +3238,7 @@
           <a:p>
             <a:fld id="{391BA8BA-4A05-469E-8C42-FC9DD0572308}" type="datetimeFigureOut">
               <a:rPr lang="pt-BR" smtClean="0"/>
-              <a:t>02/02/2020</a:t>
+              <a:t>11/02/2020</a:t>
             </a:fld>
             <a:endParaRPr lang="pt-BR"/>
           </a:p>
@@ -3501,7 +3526,7 @@
           <a:p>
             <a:fld id="{391BA8BA-4A05-469E-8C42-FC9DD0572308}" type="datetimeFigureOut">
               <a:rPr lang="pt-BR" smtClean="0"/>
-              <a:t>02/02/2020</a:t>
+              <a:t>11/02/2020</a:t>
             </a:fld>
             <a:endParaRPr lang="pt-BR"/>
           </a:p>
@@ -3742,7 +3767,7 @@
           <a:p>
             <a:fld id="{391BA8BA-4A05-469E-8C42-FC9DD0572308}" type="datetimeFigureOut">
               <a:rPr lang="pt-BR" smtClean="0"/>
-              <a:t>02/02/2020</a:t>
+              <a:t>11/02/2020</a:t>
             </a:fld>
             <a:endParaRPr lang="pt-BR"/>
           </a:p>
@@ -4183,16 +4208,16 @@
         </p:spPr>
         <p:txBody>
           <a:bodyPr>
-            <a:normAutofit/>
+            <a:normAutofit fontScale="90000"/>
           </a:bodyPr>
           <a:lstStyle/>
           <a:p>
             <a:r>
-              <a:rPr lang="pt-BR" sz="5300" b="1" dirty="0">
-                <a:latin typeface="Times New Roman" panose="02020603050405020304" pitchFamily="18" charset="0"/>
-                <a:cs typeface="Times New Roman" panose="02020603050405020304" pitchFamily="18" charset="0"/>
-              </a:rPr>
-              <a:t>QuizFATEC: Banco de Questões e Aplicativo Móvel Simulador dos Vestibulares da FATEC</a:t>
+              <a:rPr lang="pt-BR" b="1" dirty="0">
+                <a:latin typeface="Times New Roman" panose="02020603050405020304" pitchFamily="18" charset="0"/>
+                <a:cs typeface="Times New Roman" panose="02020603050405020304" pitchFamily="18" charset="0"/>
+              </a:rPr>
+              <a:t>Aplicação de ETL e Raspagem de Dados para Compor Um Banco de Questões</a:t>
             </a:r>
             <a:br>
               <a:rPr lang="pt-BR" dirty="0"/>
@@ -4230,25 +4255,37 @@
           <a:lstStyle/>
           <a:p>
             <a:r>
-              <a:rPr lang="pt-BR" sz="2200" dirty="0"/>
+              <a:rPr lang="pt-BR" sz="2200" dirty="0">
+                <a:latin typeface="Times New Roman" panose="02020603050405020304" pitchFamily="18" charset="0"/>
+                <a:cs typeface="Times New Roman" panose="02020603050405020304" pitchFamily="18" charset="0"/>
+              </a:rPr>
               <a:t>NOME(S) DO(S) AUTOR(ES): Cesar Augusto Siqueira Santos </a:t>
             </a:r>
           </a:p>
           <a:p>
             <a:r>
-              <a:rPr lang="pt-BR" sz="2200" dirty="0"/>
+              <a:rPr lang="pt-BR" sz="2200" dirty="0">
+                <a:latin typeface="Times New Roman" panose="02020603050405020304" pitchFamily="18" charset="0"/>
+                <a:cs typeface="Times New Roman" panose="02020603050405020304" pitchFamily="18" charset="0"/>
+              </a:rPr>
               <a:t>TÍTULO DO TRABALHO: QuizFATEC: Banco de Questões e Aplicativo Móvel Simulador dos Vestibulares da FATEC</a:t>
             </a:r>
           </a:p>
           <a:p>
             <a:r>
-              <a:rPr lang="pt-BR" sz="2200" dirty="0"/>
+              <a:rPr lang="pt-BR" sz="2200" dirty="0">
+                <a:latin typeface="Times New Roman" panose="02020603050405020304" pitchFamily="18" charset="0"/>
+                <a:cs typeface="Times New Roman" panose="02020603050405020304" pitchFamily="18" charset="0"/>
+              </a:rPr>
               <a:t>TIPO DO TRABALHO/ANO: Trabalho de Graduação/2019.</a:t>
             </a:r>
           </a:p>
           <a:p>
             <a:r>
-              <a:rPr lang="pt-BR" dirty="0"/>
+              <a:rPr lang="pt-BR" dirty="0">
+                <a:latin typeface="Times New Roman" panose="02020603050405020304" pitchFamily="18" charset="0"/>
+                <a:cs typeface="Times New Roman" panose="02020603050405020304" pitchFamily="18" charset="0"/>
+              </a:rPr>
               <a:t> </a:t>
             </a:r>
           </a:p>
@@ -4292,157 +4329,6 @@
           <p:cNvPr id="2" name="Título 1">
             <a:extLst>
               <a:ext uri="{FF2B5EF4-FFF2-40B4-BE49-F238E27FC236}">
-                <a16:creationId xmlns:a16="http://schemas.microsoft.com/office/drawing/2014/main" id="{2215193C-093C-44A5-A5A7-611AB688EB25}"/>
-              </a:ext>
-            </a:extLst>
-          </p:cNvPr>
-          <p:cNvSpPr>
-            <a:spLocks noGrp="1"/>
-          </p:cNvSpPr>
-          <p:nvPr>
-            <p:ph type="title"/>
-          </p:nvPr>
-        </p:nvSpPr>
-        <p:spPr>
-          <a:xfrm>
-            <a:off x="720704" y="0"/>
-            <a:ext cx="10750591" cy="1324800"/>
-          </a:xfrm>
-        </p:spPr>
-        <p:txBody>
-          <a:bodyPr>
-            <a:normAutofit/>
-          </a:bodyPr>
-          <a:lstStyle/>
-          <a:p>
-            <a:r>
-              <a:rPr lang="pt-BR" dirty="0">
-                <a:latin typeface="Times New Roman" panose="02020603050405020304" pitchFamily="18" charset="0"/>
-                <a:cs typeface="Times New Roman" panose="02020603050405020304" pitchFamily="18" charset="0"/>
-              </a:rPr>
-              <a:t>2.4. Tecnologias Semelhantes</a:t>
-            </a:r>
-          </a:p>
-        </p:txBody>
-      </p:sp>
-      <p:sp>
-        <p:nvSpPr>
-          <p:cNvPr id="3" name="Espaço Reservado para Conteúdo 2">
-            <a:extLst>
-              <a:ext uri="{FF2B5EF4-FFF2-40B4-BE49-F238E27FC236}">
-                <a16:creationId xmlns:a16="http://schemas.microsoft.com/office/drawing/2014/main" id="{E9779A88-64BF-47E9-A5F4-6A5F0DC07C61}"/>
-              </a:ext>
-            </a:extLst>
-          </p:cNvPr>
-          <p:cNvSpPr>
-            <a:spLocks noGrp="1"/>
-          </p:cNvSpPr>
-          <p:nvPr>
-            <p:ph idx="1"/>
-          </p:nvPr>
-        </p:nvSpPr>
-        <p:spPr>
-          <a:xfrm>
-            <a:off x="608290" y="1536290"/>
-            <a:ext cx="11126510" cy="5179469"/>
-          </a:xfrm>
-        </p:spPr>
-        <p:txBody>
-          <a:bodyPr>
-            <a:normAutofit/>
-          </a:bodyPr>
-          <a:lstStyle/>
-          <a:p>
-            <a:r>
-              <a:rPr lang="pt-BR" b="1" dirty="0">
-                <a:latin typeface="Times New Roman" panose="02020603050405020304" pitchFamily="18" charset="0"/>
-                <a:cs typeface="Times New Roman" panose="02020603050405020304" pitchFamily="18" charset="0"/>
-              </a:rPr>
-              <a:t>Super Professor – Banco de Questões</a:t>
-            </a:r>
-          </a:p>
-          <a:p>
-            <a:endParaRPr lang="pt-BR" b="1" dirty="0">
-              <a:latin typeface="Times New Roman" panose="02020603050405020304" pitchFamily="18" charset="0"/>
-              <a:cs typeface="Times New Roman" panose="02020603050405020304" pitchFamily="18" charset="0"/>
-            </a:endParaRPr>
-          </a:p>
-          <a:p>
-            <a:r>
-              <a:rPr lang="pt-BR" b="1" dirty="0">
-                <a:latin typeface="Times New Roman" panose="02020603050405020304" pitchFamily="18" charset="0"/>
-                <a:cs typeface="Times New Roman" panose="02020603050405020304" pitchFamily="18" charset="0"/>
-              </a:rPr>
-              <a:t>Só Exercícios -Banco de Questões</a:t>
-            </a:r>
-          </a:p>
-          <a:p>
-            <a:endParaRPr lang="pt-BR" b="1" dirty="0">
-              <a:latin typeface="Times New Roman" panose="02020603050405020304" pitchFamily="18" charset="0"/>
-              <a:cs typeface="Times New Roman" panose="02020603050405020304" pitchFamily="18" charset="0"/>
-            </a:endParaRPr>
-          </a:p>
-          <a:p>
-            <a:r>
-              <a:rPr lang="pt-BR" b="1" dirty="0">
-                <a:latin typeface="Times New Roman" panose="02020603050405020304" pitchFamily="18" charset="0"/>
-                <a:cs typeface="Times New Roman" panose="02020603050405020304" pitchFamily="18" charset="0"/>
-              </a:rPr>
-              <a:t>Aplicativo Perguntados 1 e 2</a:t>
-            </a:r>
-          </a:p>
-          <a:p>
-            <a:endParaRPr lang="pt-BR" b="1" dirty="0">
-              <a:latin typeface="Times New Roman" panose="02020603050405020304" pitchFamily="18" charset="0"/>
-              <a:cs typeface="Times New Roman" panose="02020603050405020304" pitchFamily="18" charset="0"/>
-            </a:endParaRPr>
-          </a:p>
-          <a:p>
-            <a:r>
-              <a:rPr lang="pt-BR" b="1" dirty="0">
-                <a:latin typeface="Times New Roman" panose="02020603050405020304" pitchFamily="18" charset="0"/>
-                <a:cs typeface="Times New Roman" panose="02020603050405020304" pitchFamily="18" charset="0"/>
-              </a:rPr>
-              <a:t>Simulado Detran-SP</a:t>
-            </a:r>
-          </a:p>
-        </p:txBody>
-      </p:sp>
-    </p:spTree>
-    <p:extLst>
-      <p:ext uri="{BB962C8B-B14F-4D97-AF65-F5344CB8AC3E}">
-        <p14:creationId xmlns:p14="http://schemas.microsoft.com/office/powerpoint/2010/main" val="15640257"/>
-      </p:ext>
-    </p:extLst>
-  </p:cSld>
-  <p:clrMapOvr>
-    <a:masterClrMapping/>
-  </p:clrMapOvr>
-</p:sld>
-</file>
-
-<file path=ppt/slides/slide11.xml><?xml version="1.0" encoding="utf-8"?>
-<p:sld xmlns:a="http://schemas.openxmlformats.org/drawingml/2006/main" xmlns:r="http://schemas.openxmlformats.org/officeDocument/2006/relationships" xmlns:p="http://schemas.openxmlformats.org/presentationml/2006/main">
-  <p:cSld>
-    <p:spTree>
-      <p:nvGrpSpPr>
-        <p:cNvPr id="1" name=""/>
-        <p:cNvGrpSpPr/>
-        <p:nvPr/>
-      </p:nvGrpSpPr>
-      <p:grpSpPr>
-        <a:xfrm>
-          <a:off x="0" y="0"/>
-          <a:ext cx="0" cy="0"/>
-          <a:chOff x="0" y="0"/>
-          <a:chExt cx="0" cy="0"/>
-        </a:xfrm>
-      </p:grpSpPr>
-      <p:sp>
-        <p:nvSpPr>
-          <p:cNvPr id="2" name="Título 1">
-            <a:extLst>
-              <a:ext uri="{FF2B5EF4-FFF2-40B4-BE49-F238E27FC236}">
                 <a16:creationId xmlns:a16="http://schemas.microsoft.com/office/drawing/2014/main" id="{4D0911BC-2617-4DA6-9ADA-8842E8FD79BD}"/>
               </a:ext>
             </a:extLst>
@@ -4469,7 +4355,7 @@
                 <a:latin typeface="Times New Roman" panose="02020603050405020304" pitchFamily="18" charset="0"/>
                 <a:cs typeface="Times New Roman" panose="02020603050405020304" pitchFamily="18" charset="0"/>
               </a:rPr>
-              <a:t>2.5. Banco de Dado NoSQL</a:t>
+              <a:t>2.4. Banco de Dado NoSQL</a:t>
             </a:r>
           </a:p>
         </p:txBody>
@@ -4581,7 +4467,21 @@
                 <a:latin typeface="Times New Roman" panose="02020603050405020304" pitchFamily="18" charset="0"/>
                 <a:cs typeface="Times New Roman" panose="02020603050405020304" pitchFamily="18" charset="0"/>
               </a:rPr>
-              <a:t> flexível, pode ser utilizado de maneira ágil no desenvolvimento de data warehouse, por exemplo. </a:t>
+              <a:t> flexível, pode ser utilizado de maneira ágil no desenvolvimento de </a:t>
+            </a:r>
+            <a:r>
+              <a:rPr lang="pt-BR" i="1" dirty="0">
+                <a:latin typeface="Times New Roman" panose="02020603050405020304" pitchFamily="18" charset="0"/>
+                <a:cs typeface="Times New Roman" panose="02020603050405020304" pitchFamily="18" charset="0"/>
+              </a:rPr>
+              <a:t>data warehouse</a:t>
+            </a:r>
+            <a:r>
+              <a:rPr lang="pt-BR" dirty="0">
+                <a:latin typeface="Times New Roman" panose="02020603050405020304" pitchFamily="18" charset="0"/>
+                <a:cs typeface="Times New Roman" panose="02020603050405020304" pitchFamily="18" charset="0"/>
+              </a:rPr>
+              <a:t>, por exemplo. </a:t>
             </a:r>
           </a:p>
         </p:txBody>
@@ -4627,6 +4527,115 @@
 </p:sld>
 </file>
 
+<file path=ppt/slides/slide11.xml><?xml version="1.0" encoding="utf-8"?>
+<p:sld xmlns:a="http://schemas.openxmlformats.org/drawingml/2006/main" xmlns:r="http://schemas.openxmlformats.org/officeDocument/2006/relationships" xmlns:p="http://schemas.openxmlformats.org/presentationml/2006/main">
+  <p:cSld>
+    <p:spTree>
+      <p:nvGrpSpPr>
+        <p:cNvPr id="1" name=""/>
+        <p:cNvGrpSpPr/>
+        <p:nvPr/>
+      </p:nvGrpSpPr>
+      <p:grpSpPr>
+        <a:xfrm>
+          <a:off x="0" y="0"/>
+          <a:ext cx="0" cy="0"/>
+          <a:chOff x="0" y="0"/>
+          <a:chExt cx="0" cy="0"/>
+        </a:xfrm>
+      </p:grpSpPr>
+      <p:sp>
+        <p:nvSpPr>
+          <p:cNvPr id="2" name="Título 1">
+            <a:extLst>
+              <a:ext uri="{FF2B5EF4-FFF2-40B4-BE49-F238E27FC236}">
+                <a16:creationId xmlns:a16="http://schemas.microsoft.com/office/drawing/2014/main" id="{4D0911BC-2617-4DA6-9ADA-8842E8FD79BD}"/>
+              </a:ext>
+            </a:extLst>
+          </p:cNvPr>
+          <p:cNvSpPr>
+            <a:spLocks noGrp="1"/>
+          </p:cNvSpPr>
+          <p:nvPr>
+            <p:ph type="title"/>
+          </p:nvPr>
+        </p:nvSpPr>
+        <p:spPr>
+          <a:xfrm>
+            <a:off x="838200" y="0"/>
+            <a:ext cx="10515600" cy="1325563"/>
+          </a:xfrm>
+        </p:spPr>
+        <p:txBody>
+          <a:bodyPr/>
+          <a:lstStyle/>
+          <a:p>
+            <a:r>
+              <a:rPr lang="pt-BR" dirty="0">
+                <a:latin typeface="Times New Roman" panose="02020603050405020304" pitchFamily="18" charset="0"/>
+                <a:cs typeface="Times New Roman" panose="02020603050405020304" pitchFamily="18" charset="0"/>
+              </a:rPr>
+              <a:t>2.5. Ionic</a:t>
+            </a:r>
+          </a:p>
+        </p:txBody>
+      </p:sp>
+      <p:sp>
+        <p:nvSpPr>
+          <p:cNvPr id="3" name="Espaço Reservado para Conteúdo 2">
+            <a:extLst>
+              <a:ext uri="{FF2B5EF4-FFF2-40B4-BE49-F238E27FC236}">
+                <a16:creationId xmlns:a16="http://schemas.microsoft.com/office/drawing/2014/main" id="{F6CF8ADC-F85B-41A7-9467-568E6A85B4F5}"/>
+              </a:ext>
+            </a:extLst>
+          </p:cNvPr>
+          <p:cNvSpPr>
+            <a:spLocks noGrp="1"/>
+          </p:cNvSpPr>
+          <p:nvPr>
+            <p:ph idx="1"/>
+          </p:nvPr>
+        </p:nvSpPr>
+        <p:spPr/>
+        <p:txBody>
+          <a:bodyPr/>
+          <a:lstStyle/>
+          <a:p>
+            <a:r>
+              <a:rPr lang="pt-BR" dirty="0">
+                <a:latin typeface="Times New Roman" panose="02020603050405020304" pitchFamily="18" charset="0"/>
+                <a:cs typeface="Times New Roman" panose="02020603050405020304" pitchFamily="18" charset="0"/>
+              </a:rPr>
+              <a:t>Ionic Framework é um conjunto de ferramentas open source, criado com o objetivo de desenvolver aplicativos Web e para dispositivos móveis usando tecnologias Web, como HTML, JavaScript e CSS (IONIC, 2019).</a:t>
+            </a:r>
+          </a:p>
+          <a:p>
+            <a:r>
+              <a:rPr lang="pt-BR" dirty="0">
+                <a:latin typeface="Times New Roman" panose="02020603050405020304" pitchFamily="18" charset="0"/>
+                <a:cs typeface="Times New Roman" panose="02020603050405020304" pitchFamily="18" charset="0"/>
+              </a:rPr>
+              <a:t>  O Framework Ionic se mostra vantajoso, principalmente pela possibilidade de acesso nativo para Android e iOS através de uma única WebView, construída pelo conjunto de ferramentas do Ionic, os aplicativos desenvolvidos usando Ionic são suportados pelo Android, a partir da versão 4.4, e o iOS a partir da versão 10. </a:t>
+            </a:r>
+          </a:p>
+          <a:p>
+            <a:endParaRPr lang="pt-BR" dirty="0"/>
+          </a:p>
+        </p:txBody>
+      </p:sp>
+    </p:spTree>
+    <p:extLst>
+      <p:ext uri="{BB962C8B-B14F-4D97-AF65-F5344CB8AC3E}">
+        <p14:creationId xmlns:p14="http://schemas.microsoft.com/office/powerpoint/2010/main" val="2403127242"/>
+      </p:ext>
+    </p:extLst>
+  </p:cSld>
+  <p:clrMapOvr>
+    <a:masterClrMapping/>
+  </p:clrMapOvr>
+</p:sld>
+</file>
+
 <file path=ppt/slides/slide12.xml><?xml version="1.0" encoding="utf-8"?>
 <p:sld xmlns:a="http://schemas.openxmlformats.org/drawingml/2006/main" xmlns:r="http://schemas.openxmlformats.org/officeDocument/2006/relationships" xmlns:p="http://schemas.openxmlformats.org/presentationml/2006/main">
   <p:cSld>
@@ -4649,7 +4658,7 @@
           <p:cNvPr id="2" name="Título 1">
             <a:extLst>
               <a:ext uri="{FF2B5EF4-FFF2-40B4-BE49-F238E27FC236}">
-                <a16:creationId xmlns:a16="http://schemas.microsoft.com/office/drawing/2014/main" id="{4D0911BC-2617-4DA6-9ADA-8842E8FD79BD}"/>
+                <a16:creationId xmlns:a16="http://schemas.microsoft.com/office/drawing/2014/main" id="{2215193C-093C-44A5-A5A7-611AB688EB25}"/>
               </a:ext>
             </a:extLst>
           </p:cNvPr>
@@ -4662,12 +4671,14 @@
         </p:nvSpPr>
         <p:spPr>
           <a:xfrm>
-            <a:off x="838200" y="0"/>
-            <a:ext cx="10515600" cy="1325563"/>
+            <a:off x="720704" y="0"/>
+            <a:ext cx="10750591" cy="1324800"/>
           </a:xfrm>
         </p:spPr>
         <p:txBody>
-          <a:bodyPr/>
+          <a:bodyPr>
+            <a:normAutofit/>
+          </a:bodyPr>
           <a:lstStyle/>
           <a:p>
             <a:r>
@@ -4675,7 +4686,7 @@
                 <a:latin typeface="Times New Roman" panose="02020603050405020304" pitchFamily="18" charset="0"/>
                 <a:cs typeface="Times New Roman" panose="02020603050405020304" pitchFamily="18" charset="0"/>
               </a:rPr>
-              <a:t>2.6. Ionic</a:t>
+              <a:t>2.6. Tecnologias Semelhantes</a:t>
             </a:r>
           </a:p>
         </p:txBody>
@@ -4685,7 +4696,7 @@
           <p:cNvPr id="3" name="Espaço Reservado para Conteúdo 2">
             <a:extLst>
               <a:ext uri="{FF2B5EF4-FFF2-40B4-BE49-F238E27FC236}">
-                <a16:creationId xmlns:a16="http://schemas.microsoft.com/office/drawing/2014/main" id="{F6CF8ADC-F85B-41A7-9467-568E6A85B4F5}"/>
+                <a16:creationId xmlns:a16="http://schemas.microsoft.com/office/drawing/2014/main" id="{E9779A88-64BF-47E9-A5F4-6A5F0DC07C61}"/>
               </a:ext>
             </a:extLst>
           </p:cNvPr>
@@ -4696,37 +4707,77 @@
             <p:ph idx="1"/>
           </p:nvPr>
         </p:nvSpPr>
-        <p:spPr/>
-        <p:txBody>
-          <a:bodyPr/>
-          <a:lstStyle/>
-          <a:p>
-            <a:r>
-              <a:rPr lang="pt-BR" dirty="0">
-                <a:latin typeface="Times New Roman" panose="02020603050405020304" pitchFamily="18" charset="0"/>
-                <a:cs typeface="Times New Roman" panose="02020603050405020304" pitchFamily="18" charset="0"/>
-              </a:rPr>
-              <a:t>Ionic Framework é um conjunto de ferramentas open source, criado com o objetivo de desenvolver aplicativos Web e para dispositivos móveis usando tecnologias Web, como HTML, JavaScript e CSS (IONIC, 2019).</a:t>
-            </a:r>
-          </a:p>
-          <a:p>
-            <a:r>
-              <a:rPr lang="pt-BR" dirty="0">
-                <a:latin typeface="Times New Roman" panose="02020603050405020304" pitchFamily="18" charset="0"/>
-                <a:cs typeface="Times New Roman" panose="02020603050405020304" pitchFamily="18" charset="0"/>
-              </a:rPr>
-              <a:t>  O Framework Ionic se mostra vantajoso, principalmente pela possibilidade de acesso nativo para Android e iOS através de uma única WebView, construída pelo conjunto de ferramentas do Ionic, os aplicativos desenvolvidos usando Ionic são suportados pelo Android, a partir da versão 4.4, e o iOS a partir da versão 10. </a:t>
-            </a:r>
-          </a:p>
-          <a:p>
-            <a:endParaRPr lang="pt-BR" dirty="0"/>
+        <p:spPr>
+          <a:xfrm>
+            <a:off x="608290" y="1536290"/>
+            <a:ext cx="11126510" cy="5179469"/>
+          </a:xfrm>
+        </p:spPr>
+        <p:txBody>
+          <a:bodyPr>
+            <a:normAutofit/>
+          </a:bodyPr>
+          <a:lstStyle/>
+          <a:p>
+            <a:r>
+              <a:rPr lang="pt-BR" b="1" dirty="0">
+                <a:latin typeface="Times New Roman" panose="02020603050405020304" pitchFamily="18" charset="0"/>
+                <a:cs typeface="Times New Roman" panose="02020603050405020304" pitchFamily="18" charset="0"/>
+              </a:rPr>
+              <a:t>Super Professor – Banco de Questões</a:t>
+            </a:r>
+          </a:p>
+          <a:p>
+            <a:endParaRPr lang="pt-BR" b="1" dirty="0">
+              <a:latin typeface="Times New Roman" panose="02020603050405020304" pitchFamily="18" charset="0"/>
+              <a:cs typeface="Times New Roman" panose="02020603050405020304" pitchFamily="18" charset="0"/>
+            </a:endParaRPr>
+          </a:p>
+          <a:p>
+            <a:r>
+              <a:rPr lang="pt-BR" b="1" dirty="0">
+                <a:latin typeface="Times New Roman" panose="02020603050405020304" pitchFamily="18" charset="0"/>
+                <a:cs typeface="Times New Roman" panose="02020603050405020304" pitchFamily="18" charset="0"/>
+              </a:rPr>
+              <a:t>Só Exercícios – Banco de Questões</a:t>
+            </a:r>
+          </a:p>
+          <a:p>
+            <a:endParaRPr lang="pt-BR" b="1" dirty="0">
+              <a:latin typeface="Times New Roman" panose="02020603050405020304" pitchFamily="18" charset="0"/>
+              <a:cs typeface="Times New Roman" panose="02020603050405020304" pitchFamily="18" charset="0"/>
+            </a:endParaRPr>
+          </a:p>
+          <a:p>
+            <a:r>
+              <a:rPr lang="pt-BR" b="1" dirty="0">
+                <a:latin typeface="Times New Roman" panose="02020603050405020304" pitchFamily="18" charset="0"/>
+                <a:cs typeface="Times New Roman" panose="02020603050405020304" pitchFamily="18" charset="0"/>
+              </a:rPr>
+              <a:t>Aplicativo Perguntados 1 e 2</a:t>
+            </a:r>
+          </a:p>
+          <a:p>
+            <a:endParaRPr lang="pt-BR" b="1" dirty="0">
+              <a:latin typeface="Times New Roman" panose="02020603050405020304" pitchFamily="18" charset="0"/>
+              <a:cs typeface="Times New Roman" panose="02020603050405020304" pitchFamily="18" charset="0"/>
+            </a:endParaRPr>
+          </a:p>
+          <a:p>
+            <a:r>
+              <a:rPr lang="pt-BR" b="1" dirty="0">
+                <a:latin typeface="Times New Roman" panose="02020603050405020304" pitchFamily="18" charset="0"/>
+                <a:cs typeface="Times New Roman" panose="02020603050405020304" pitchFamily="18" charset="0"/>
+              </a:rPr>
+              <a:t>Simulado Detran-SP</a:t>
+            </a:r>
           </a:p>
         </p:txBody>
       </p:sp>
     </p:spTree>
     <p:extLst>
       <p:ext uri="{BB962C8B-B14F-4D97-AF65-F5344CB8AC3E}">
-        <p14:creationId xmlns:p14="http://schemas.microsoft.com/office/powerpoint/2010/main" val="2403127242"/>
+        <p14:creationId xmlns:p14="http://schemas.microsoft.com/office/powerpoint/2010/main" val="15640257"/>
       </p:ext>
     </p:extLst>
   </p:cSld>
@@ -6010,7 +6061,10 @@
           <a:lstStyle/>
           <a:p>
             <a:r>
-              <a:rPr lang="pt-BR" dirty="0"/>
+              <a:rPr lang="pt-BR" dirty="0">
+                <a:latin typeface="Times New Roman" panose="02020603050405020304" pitchFamily="18" charset="0"/>
+                <a:cs typeface="Times New Roman" panose="02020603050405020304" pitchFamily="18" charset="0"/>
+              </a:rPr>
               <a:t>Agenda</a:t>
             </a:r>
           </a:p>
@@ -6133,7 +6187,7 @@
                 <a:latin typeface="Times New Roman" panose="02020603050405020304" pitchFamily="18" charset="0"/>
                 <a:cs typeface="Times New Roman" panose="02020603050405020304" pitchFamily="18" charset="0"/>
               </a:rPr>
-              <a:t> 2.4.  Tecnologias Semelhantes</a:t>
+              <a:t> 2.4.  Banco de dados NoSQL</a:t>
             </a:r>
           </a:p>
           <a:p>
@@ -6145,7 +6199,7 @@
                 <a:latin typeface="Times New Roman" panose="02020603050405020304" pitchFamily="18" charset="0"/>
                 <a:cs typeface="Times New Roman" panose="02020603050405020304" pitchFamily="18" charset="0"/>
               </a:rPr>
-              <a:t> 2.5.  Banco de dados NoSQL</a:t>
+              <a:t> 2.5.  Ionic</a:t>
             </a:r>
           </a:p>
           <a:p>
@@ -6157,7 +6211,7 @@
                 <a:latin typeface="Times New Roman" panose="02020603050405020304" pitchFamily="18" charset="0"/>
                 <a:cs typeface="Times New Roman" panose="02020603050405020304" pitchFamily="18" charset="0"/>
               </a:rPr>
-              <a:t> 2.6.  Ionic</a:t>
+              <a:t> 2.6.  Tecnologias Semelhantes</a:t>
             </a:r>
           </a:p>
           <a:p>
@@ -7221,13 +7275,13 @@
         </p:nvSpPr>
         <p:spPr>
           <a:xfrm>
-            <a:off x="838200" y="1305243"/>
-            <a:ext cx="10515600" cy="4871720"/>
+            <a:off x="838200" y="1305242"/>
+            <a:ext cx="10515600" cy="5145891"/>
           </a:xfrm>
         </p:spPr>
         <p:txBody>
           <a:bodyPr>
-            <a:normAutofit/>
+            <a:normAutofit fontScale="92500" lnSpcReduction="10000"/>
           </a:bodyPr>
           <a:lstStyle/>
           <a:p>
@@ -7235,11 +7289,23 @@
               <a:buNone/>
             </a:pPr>
             <a:r>
-              <a:rPr lang="pt-BR" dirty="0">
-                <a:latin typeface="Times New Roman" panose="02020603050405020304" pitchFamily="18" charset="0"/>
-                <a:cs typeface="Times New Roman" panose="02020603050405020304" pitchFamily="18" charset="0"/>
-              </a:rPr>
-              <a:t>Em virtude da crise política e econômica vivenciada no Brasil nos anos de 2017 e 2018, o desemprego cresceu, mais precisamente 3,6% considerando o desemprego em janeiro de 2017 e o mesmo período no ano anterior (GLOBO, 2017).</a:t>
+              <a:rPr lang="pt-BR" dirty="0"/>
+              <a:t>É factual o crescimento de diplomados no Brasil, todavia esse número ainda é pouco expressivo, considerando 7,9% da população brasileira, trata-se de menos de 13,4 milhões de diplomados (IBGE, 2012). É notório o espaço para desenvolvimento acadêmico da população brasileira. </a:t>
+            </a:r>
+          </a:p>
+          <a:p>
+            <a:pPr marL="0" indent="0">
+              <a:buNone/>
+            </a:pPr>
+            <a:endParaRPr lang="pt-BR" dirty="0"/>
+          </a:p>
+          <a:p>
+            <a:pPr marL="0" indent="0">
+              <a:buNone/>
+            </a:pPr>
+            <a:r>
+              <a:rPr lang="pt-BR" dirty="0"/>
+              <a:t>Além do ENEM, diversas universidades, faculdades e até mesmo cursinhos, disponibilizam todos os anos provas de seus vestibulares, com o objetivo de incentivar a prática de estudantes e interessados. </a:t>
             </a:r>
           </a:p>
           <a:p>
@@ -7256,11 +7322,8 @@
               <a:buNone/>
             </a:pPr>
             <a:r>
-              <a:rPr lang="pt-BR" dirty="0">
-                <a:latin typeface="Times New Roman" panose="02020603050405020304" pitchFamily="18" charset="0"/>
-                <a:cs typeface="Times New Roman" panose="02020603050405020304" pitchFamily="18" charset="0"/>
-              </a:rPr>
-              <a:t>O acirramento da competição no mercado de trabalho, leva milhões de pessoas a buscar atualizações, principalmente no âmbito de cursos superiores e pós-graduações. Existe um abismo claro entre o desejo de ingressar em uma instituição de ensino superior e a obtenção dos conhecimentos necessários para tal. </a:t>
+              <a:rPr lang="pt-BR" dirty="0"/>
+              <a:t>Ao longo do desenvolvimento deste trabalho, serão aplicadas tecnologias para transformar os arquivos, textos, imagens e gabaritos disponibilizados por vestibulares em uma maneira mais acessível e convidativa. Visando tornar o estudo de vestibulandos mais eficiente e produtivo.</a:t>
             </a:r>
           </a:p>
         </p:txBody>
@@ -7367,7 +7430,7 @@
                 <a:latin typeface="Times New Roman" panose="02020603050405020304" pitchFamily="18" charset="0"/>
                 <a:cs typeface="Times New Roman" panose="02020603050405020304" pitchFamily="18" charset="0"/>
               </a:rPr>
-              <a:t> Não existir um banco de questões de vestibulares de acesso público e facilitado, agilizando o estudo de vestibulandos. Atualmente as questões estão disponíveis através de arquivos PDF, dificultando a leitura e estudo de vestibulandos.</a:t>
+              <a:t> O esforço necessário para alunos e vestibulandos para simular a vivência e prática de vestibulares não é uma experiência agradável e nem convidativa, não existir um banco de questões de vestibulares de acesso público e facilitado acaba por atrasar os estudos, tornando o estudo menos eficiente. </a:t>
             </a:r>
           </a:p>
           <a:p>
@@ -7395,7 +7458,7 @@
                 <a:latin typeface="Times New Roman" panose="02020603050405020304" pitchFamily="18" charset="0"/>
                 <a:cs typeface="Times New Roman" panose="02020603050405020304" pitchFamily="18" charset="0"/>
               </a:rPr>
-              <a:t> Aplicação de tecnologias com o objetivo de alimentar um banco de dados, apenas por questões, repostas e textos provenientes de vestibulares, aliado a um aplicativo para dispositivos móveis que permita que vestibulandos revejam questões de vestibulares passados.</a:t>
+              <a:t> Estudo e aplicação de tecnologias com o objetivo de alimentar um banco de dados, apenas por questões, repostas e textos provenientes de vestibulares, de maneira a permitir outras formas de acesso e tornar os estudos mais eficientes para alunos e vestibulandos.</a:t>
             </a:r>
           </a:p>
           <a:p>
@@ -7417,6 +7480,92 @@
 </file>
 
 <file path=ppt/slides/slide6.xml><?xml version="1.0" encoding="utf-8"?>
+<p:sld xmlns:a="http://schemas.openxmlformats.org/drawingml/2006/main" xmlns:r="http://schemas.openxmlformats.org/officeDocument/2006/relationships" xmlns:p="http://schemas.openxmlformats.org/presentationml/2006/main">
+  <p:cSld>
+    <p:spTree>
+      <p:nvGrpSpPr>
+        <p:cNvPr id="1" name=""/>
+        <p:cNvGrpSpPr/>
+        <p:nvPr/>
+      </p:nvGrpSpPr>
+      <p:grpSpPr>
+        <a:xfrm>
+          <a:off x="0" y="0"/>
+          <a:ext cx="0" cy="0"/>
+          <a:chOff x="0" y="0"/>
+          <a:chExt cx="0" cy="0"/>
+        </a:xfrm>
+      </p:grpSpPr>
+      <p:sp>
+        <p:nvSpPr>
+          <p:cNvPr id="4" name="Título 3">
+            <a:extLst>
+              <a:ext uri="{FF2B5EF4-FFF2-40B4-BE49-F238E27FC236}">
+                <a16:creationId xmlns:a16="http://schemas.microsoft.com/office/drawing/2014/main" id="{B39360D0-960F-4A77-A656-7F85A9D05DB4}"/>
+              </a:ext>
+            </a:extLst>
+          </p:cNvPr>
+          <p:cNvSpPr>
+            <a:spLocks noGrp="1"/>
+          </p:cNvSpPr>
+          <p:nvPr>
+            <p:ph type="title"/>
+          </p:nvPr>
+        </p:nvSpPr>
+        <p:spPr/>
+        <p:txBody>
+          <a:bodyPr/>
+          <a:lstStyle/>
+          <a:p>
+            <a:r>
+              <a:rPr lang="pt-BR" dirty="0">
+                <a:latin typeface="Times New Roman" panose="02020603050405020304" pitchFamily="18" charset="0"/>
+                <a:cs typeface="Times New Roman" panose="02020603050405020304" pitchFamily="18" charset="0"/>
+              </a:rPr>
+              <a:t>Fundamentação Teórica</a:t>
+            </a:r>
+          </a:p>
+        </p:txBody>
+      </p:sp>
+      <p:sp>
+        <p:nvSpPr>
+          <p:cNvPr id="5" name="Espaço Reservado para Texto 4">
+            <a:extLst>
+              <a:ext uri="{FF2B5EF4-FFF2-40B4-BE49-F238E27FC236}">
+                <a16:creationId xmlns:a16="http://schemas.microsoft.com/office/drawing/2014/main" id="{8B2BB676-5301-4870-94BF-701B63BCAB51}"/>
+              </a:ext>
+            </a:extLst>
+          </p:cNvPr>
+          <p:cNvSpPr>
+            <a:spLocks noGrp="1"/>
+          </p:cNvSpPr>
+          <p:nvPr>
+            <p:ph type="body" idx="1"/>
+          </p:nvPr>
+        </p:nvSpPr>
+        <p:spPr/>
+        <p:txBody>
+          <a:bodyPr/>
+          <a:lstStyle/>
+          <a:p>
+            <a:endParaRPr lang="pt-BR" dirty="0"/>
+          </a:p>
+        </p:txBody>
+      </p:sp>
+    </p:spTree>
+    <p:extLst>
+      <p:ext uri="{BB962C8B-B14F-4D97-AF65-F5344CB8AC3E}">
+        <p14:creationId xmlns:p14="http://schemas.microsoft.com/office/powerpoint/2010/main" val="695889315"/>
+      </p:ext>
+    </p:extLst>
+  </p:cSld>
+  <p:clrMapOvr>
+    <a:masterClrMapping/>
+  </p:clrMapOvr>
+</p:sld>
+</file>
+
+<file path=ppt/slides/slide7.xml><?xml version="1.0" encoding="utf-8"?>
 <p:sld xmlns:a="http://schemas.openxmlformats.org/drawingml/2006/main" xmlns:r="http://schemas.openxmlformats.org/officeDocument/2006/relationships" xmlns:p="http://schemas.openxmlformats.org/presentationml/2006/main">
   <p:cSld>
     <p:bg>
@@ -7580,92 +7729,6 @@
     <p:extLst>
       <p:ext uri="{BB962C8B-B14F-4D97-AF65-F5344CB8AC3E}">
         <p14:creationId xmlns:p14="http://schemas.microsoft.com/office/powerpoint/2010/main" val="1606848409"/>
-      </p:ext>
-    </p:extLst>
-  </p:cSld>
-  <p:clrMapOvr>
-    <a:masterClrMapping/>
-  </p:clrMapOvr>
-</p:sld>
-</file>
-
-<file path=ppt/slides/slide7.xml><?xml version="1.0" encoding="utf-8"?>
-<p:sld xmlns:a="http://schemas.openxmlformats.org/drawingml/2006/main" xmlns:r="http://schemas.openxmlformats.org/officeDocument/2006/relationships" xmlns:p="http://schemas.openxmlformats.org/presentationml/2006/main">
-  <p:cSld>
-    <p:spTree>
-      <p:nvGrpSpPr>
-        <p:cNvPr id="1" name=""/>
-        <p:cNvGrpSpPr/>
-        <p:nvPr/>
-      </p:nvGrpSpPr>
-      <p:grpSpPr>
-        <a:xfrm>
-          <a:off x="0" y="0"/>
-          <a:ext cx="0" cy="0"/>
-          <a:chOff x="0" y="0"/>
-          <a:chExt cx="0" cy="0"/>
-        </a:xfrm>
-      </p:grpSpPr>
-      <p:sp>
-        <p:nvSpPr>
-          <p:cNvPr id="4" name="Título 3">
-            <a:extLst>
-              <a:ext uri="{FF2B5EF4-FFF2-40B4-BE49-F238E27FC236}">
-                <a16:creationId xmlns:a16="http://schemas.microsoft.com/office/drawing/2014/main" id="{B39360D0-960F-4A77-A656-7F85A9D05DB4}"/>
-              </a:ext>
-            </a:extLst>
-          </p:cNvPr>
-          <p:cNvSpPr>
-            <a:spLocks noGrp="1"/>
-          </p:cNvSpPr>
-          <p:nvPr>
-            <p:ph type="title"/>
-          </p:nvPr>
-        </p:nvSpPr>
-        <p:spPr/>
-        <p:txBody>
-          <a:bodyPr/>
-          <a:lstStyle/>
-          <a:p>
-            <a:r>
-              <a:rPr lang="pt-BR" dirty="0">
-                <a:latin typeface="Times New Roman" panose="02020603050405020304" pitchFamily="18" charset="0"/>
-                <a:cs typeface="Times New Roman" panose="02020603050405020304" pitchFamily="18" charset="0"/>
-              </a:rPr>
-              <a:t>Fundamentação Teórica</a:t>
-            </a:r>
-          </a:p>
-        </p:txBody>
-      </p:sp>
-      <p:sp>
-        <p:nvSpPr>
-          <p:cNvPr id="5" name="Espaço Reservado para Texto 4">
-            <a:extLst>
-              <a:ext uri="{FF2B5EF4-FFF2-40B4-BE49-F238E27FC236}">
-                <a16:creationId xmlns:a16="http://schemas.microsoft.com/office/drawing/2014/main" id="{8B2BB676-5301-4870-94BF-701B63BCAB51}"/>
-              </a:ext>
-            </a:extLst>
-          </p:cNvPr>
-          <p:cNvSpPr>
-            <a:spLocks noGrp="1"/>
-          </p:cNvSpPr>
-          <p:nvPr>
-            <p:ph type="body" idx="1"/>
-          </p:nvPr>
-        </p:nvSpPr>
-        <p:spPr/>
-        <p:txBody>
-          <a:bodyPr/>
-          <a:lstStyle/>
-          <a:p>
-            <a:endParaRPr lang="pt-BR" dirty="0"/>
-          </a:p>
-        </p:txBody>
-      </p:sp>
-    </p:spTree>
-    <p:extLst>
-      <p:ext uri="{BB962C8B-B14F-4D97-AF65-F5344CB8AC3E}">
-        <p14:creationId xmlns:p14="http://schemas.microsoft.com/office/powerpoint/2010/main" val="695889315"/>
       </p:ext>
     </p:extLst>
   </p:cSld>

--- a/Documentacao/Apresentação TG - QuizFATEC.pptx
+++ b/Documentacao/Apresentação TG - QuizFATEC.pptx
@@ -136,840 +136,6 @@
 </p:presentation>
 </file>
 
-<file path=ppt/charts/chart1.xml><?xml version="1.0" encoding="utf-8"?>
-<c:chartSpace xmlns:c="http://schemas.openxmlformats.org/drawingml/2006/chart" xmlns:a="http://schemas.openxmlformats.org/drawingml/2006/main" xmlns:r="http://schemas.openxmlformats.org/officeDocument/2006/relationships" xmlns:c16r2="http://schemas.microsoft.com/office/drawing/2015/06/chart">
-  <c:date1904 val="0"/>
-  <c:lang val="pt-BR"/>
-  <c:roundedCorners val="0"/>
-  <mc:AlternateContent xmlns:mc="http://schemas.openxmlformats.org/markup-compatibility/2006">
-    <mc:Choice xmlns:c14="http://schemas.microsoft.com/office/drawing/2007/8/2/chart" Requires="c14">
-      <c14:style val="103"/>
-    </mc:Choice>
-    <mc:Fallback>
-      <c:style val="3"/>
-    </mc:Fallback>
-  </mc:AlternateContent>
-  <c:chart>
-    <c:autoTitleDeleted val="1"/>
-    <c:plotArea>
-      <c:layout/>
-      <c:pieChart>
-        <c:varyColors val="1"/>
-        <c:ser>
-          <c:idx val="0"/>
-          <c:order val="0"/>
-          <c:tx>
-            <c:strRef>
-              <c:f>Planilha1!$B$1</c:f>
-              <c:strCache>
-                <c:ptCount val="1"/>
-                <c:pt idx="0">
-                  <c:v>Questões</c:v>
-                </c:pt>
-              </c:strCache>
-            </c:strRef>
-          </c:tx>
-          <c:dPt>
-            <c:idx val="0"/>
-            <c:bubble3D val="0"/>
-            <c:spPr>
-              <a:solidFill>
-                <a:schemeClr val="accent1">
-                  <a:shade val="58000"/>
-                </a:schemeClr>
-              </a:solidFill>
-              <a:ln w="19050">
-                <a:solidFill>
-                  <a:schemeClr val="lt1"/>
-                </a:solidFill>
-              </a:ln>
-              <a:effectLst/>
-            </c:spPr>
-            <c:extLst>
-              <c:ext xmlns:c16="http://schemas.microsoft.com/office/drawing/2014/chart" uri="{C3380CC4-5D6E-409C-BE32-E72D297353CC}">
-                <c16:uniqueId val="{00000001-1AF7-47DF-BABB-EF4CF4D9CB01}"/>
-              </c:ext>
-            </c:extLst>
-          </c:dPt>
-          <c:dPt>
-            <c:idx val="1"/>
-            <c:bubble3D val="0"/>
-            <c:spPr>
-              <a:solidFill>
-                <a:schemeClr val="accent1">
-                  <a:shade val="86000"/>
-                </a:schemeClr>
-              </a:solidFill>
-              <a:ln w="19050">
-                <a:solidFill>
-                  <a:schemeClr val="lt1"/>
-                </a:solidFill>
-              </a:ln>
-              <a:effectLst/>
-            </c:spPr>
-            <c:extLst>
-              <c:ext xmlns:c16="http://schemas.microsoft.com/office/drawing/2014/chart" uri="{C3380CC4-5D6E-409C-BE32-E72D297353CC}">
-                <c16:uniqueId val="{00000003-1AF7-47DF-BABB-EF4CF4D9CB01}"/>
-              </c:ext>
-            </c:extLst>
-          </c:dPt>
-          <c:dPt>
-            <c:idx val="2"/>
-            <c:bubble3D val="0"/>
-            <c:spPr>
-              <a:solidFill>
-                <a:schemeClr val="accent1">
-                  <a:tint val="86000"/>
-                </a:schemeClr>
-              </a:solidFill>
-              <a:ln w="19050">
-                <a:solidFill>
-                  <a:schemeClr val="lt1"/>
-                </a:solidFill>
-              </a:ln>
-              <a:effectLst/>
-            </c:spPr>
-            <c:extLst>
-              <c:ext xmlns:c16="http://schemas.microsoft.com/office/drawing/2014/chart" uri="{C3380CC4-5D6E-409C-BE32-E72D297353CC}">
-                <c16:uniqueId val="{00000005-1AF7-47DF-BABB-EF4CF4D9CB01}"/>
-              </c:ext>
-            </c:extLst>
-          </c:dPt>
-          <c:dPt>
-            <c:idx val="3"/>
-            <c:bubble3D val="0"/>
-            <c:spPr>
-              <a:solidFill>
-                <a:schemeClr val="accent1">
-                  <a:tint val="58000"/>
-                </a:schemeClr>
-              </a:solidFill>
-              <a:ln w="19050">
-                <a:solidFill>
-                  <a:schemeClr val="lt1"/>
-                </a:solidFill>
-              </a:ln>
-              <a:effectLst/>
-            </c:spPr>
-            <c:extLst>
-              <c:ext xmlns:c16="http://schemas.microsoft.com/office/drawing/2014/chart" uri="{C3380CC4-5D6E-409C-BE32-E72D297353CC}">
-                <c16:uniqueId val="{00000007-1AF7-47DF-BABB-EF4CF4D9CB01}"/>
-              </c:ext>
-            </c:extLst>
-          </c:dPt>
-          <c:dLbls>
-            <c:spPr>
-              <a:noFill/>
-              <a:ln>
-                <a:noFill/>
-              </a:ln>
-              <a:effectLst/>
-            </c:spPr>
-            <c:txPr>
-              <a:bodyPr rot="0" spcFirstLastPara="1" vertOverflow="ellipsis" vert="horz" wrap="square" lIns="38100" tIns="19050" rIns="38100" bIns="19050" anchor="ctr" anchorCtr="1">
-                <a:spAutoFit/>
-              </a:bodyPr>
-              <a:lstStyle/>
-              <a:p>
-                <a:pPr>
-                  <a:defRPr sz="1197" b="0" i="0" u="none" strike="noStrike" kern="1200" baseline="0">
-                    <a:solidFill>
-                      <a:schemeClr val="tx1">
-                        <a:lumMod val="75000"/>
-                        <a:lumOff val="25000"/>
-                      </a:schemeClr>
-                    </a:solidFill>
-                    <a:latin typeface="+mn-lt"/>
-                    <a:ea typeface="+mn-ea"/>
-                    <a:cs typeface="+mn-cs"/>
-                  </a:defRPr>
-                </a:pPr>
-                <a:endParaRPr lang="pt-BR"/>
-              </a:p>
-            </c:txPr>
-            <c:dLblPos val="ctr"/>
-            <c:showLegendKey val="0"/>
-            <c:showVal val="0"/>
-            <c:showCatName val="0"/>
-            <c:showSerName val="0"/>
-            <c:showPercent val="1"/>
-            <c:showBubbleSize val="0"/>
-            <c:showLeaderLines val="1"/>
-            <c:leaderLines>
-              <c:spPr>
-                <a:ln w="9525" cap="flat" cmpd="sng" algn="ctr">
-                  <a:solidFill>
-                    <a:schemeClr val="tx1">
-                      <a:lumMod val="35000"/>
-                      <a:lumOff val="65000"/>
-                    </a:schemeClr>
-                  </a:solidFill>
-                  <a:round/>
-                </a:ln>
-                <a:effectLst/>
-              </c:spPr>
-            </c:leaderLines>
-            <c:extLst>
-              <c:ext xmlns:c15="http://schemas.microsoft.com/office/drawing/2012/chart" uri="{CE6537A1-D6FC-4f65-9D91-7224C49458BB}"/>
-            </c:extLst>
-          </c:dLbls>
-          <c:cat>
-            <c:strRef>
-              <c:f>Planilha1!$A$2:$A$5</c:f>
-              <c:strCache>
-                <c:ptCount val="4"/>
-                <c:pt idx="0">
-                  <c:v>Não Identificadas</c:v>
-                </c:pt>
-                <c:pt idx="1">
-                  <c:v>Raspadas com Sucesso</c:v>
-                </c:pt>
-                <c:pt idx="2">
-                  <c:v>Inválidas</c:v>
-                </c:pt>
-                <c:pt idx="3">
-                  <c:v>Alternativas em Branco</c:v>
-                </c:pt>
-              </c:strCache>
-            </c:strRef>
-          </c:cat>
-          <c:val>
-            <c:numRef>
-              <c:f>Planilha1!$B$2:$B$5</c:f>
-              <c:numCache>
-                <c:formatCode>General</c:formatCode>
-                <c:ptCount val="4"/>
-                <c:pt idx="0">
-                  <c:v>35</c:v>
-                </c:pt>
-                <c:pt idx="1">
-                  <c:v>344</c:v>
-                </c:pt>
-                <c:pt idx="2">
-                  <c:v>40</c:v>
-                </c:pt>
-                <c:pt idx="3">
-                  <c:v>13</c:v>
-                </c:pt>
-              </c:numCache>
-            </c:numRef>
-          </c:val>
-          <c:extLst>
-            <c:ext xmlns:c16="http://schemas.microsoft.com/office/drawing/2014/chart" uri="{C3380CC4-5D6E-409C-BE32-E72D297353CC}">
-              <c16:uniqueId val="{00000000-2343-450C-8EFD-7067AB7F3C20}"/>
-            </c:ext>
-          </c:extLst>
-        </c:ser>
-        <c:dLbls>
-          <c:dLblPos val="ctr"/>
-          <c:showLegendKey val="0"/>
-          <c:showVal val="0"/>
-          <c:showCatName val="0"/>
-          <c:showSerName val="0"/>
-          <c:showPercent val="1"/>
-          <c:showBubbleSize val="0"/>
-          <c:showLeaderLines val="1"/>
-        </c:dLbls>
-        <c:firstSliceAng val="0"/>
-      </c:pieChart>
-      <c:spPr>
-        <a:noFill/>
-        <a:ln>
-          <a:noFill/>
-        </a:ln>
-        <a:effectLst/>
-      </c:spPr>
-    </c:plotArea>
-    <c:legend>
-      <c:legendPos val="b"/>
-      <c:overlay val="0"/>
-      <c:spPr>
-        <a:noFill/>
-        <a:ln>
-          <a:noFill/>
-        </a:ln>
-        <a:effectLst/>
-      </c:spPr>
-      <c:txPr>
-        <a:bodyPr rot="0" spcFirstLastPara="1" vertOverflow="ellipsis" vert="horz" wrap="square" anchor="ctr" anchorCtr="1"/>
-        <a:lstStyle/>
-        <a:p>
-          <a:pPr>
-            <a:defRPr sz="1600" b="0" i="0" u="none" strike="noStrike" kern="1200" baseline="0">
-              <a:solidFill>
-                <a:schemeClr val="tx1">
-                  <a:lumMod val="65000"/>
-                  <a:lumOff val="35000"/>
-                </a:schemeClr>
-              </a:solidFill>
-              <a:latin typeface="Times New Roman" panose="02020603050405020304" pitchFamily="18" charset="0"/>
-              <a:ea typeface="+mn-ea"/>
-              <a:cs typeface="Times New Roman" panose="02020603050405020304" pitchFamily="18" charset="0"/>
-            </a:defRPr>
-          </a:pPr>
-          <a:endParaRPr lang="pt-BR"/>
-        </a:p>
-      </c:txPr>
-    </c:legend>
-    <c:plotVisOnly val="1"/>
-    <c:dispBlanksAs val="gap"/>
-    <c:extLst>
-      <c:ext xmlns:c16r3="http://schemas.microsoft.com/office/drawing/2017/03/chart" uri="{56B9EC1D-385E-4148-901F-78D8002777C0}">
-        <c16r3:dataDisplayOptions16>
-          <c16r3:dispNaAsBlank val="1"/>
-        </c16r3:dataDisplayOptions16>
-      </c:ext>
-    </c:extLst>
-    <c:showDLblsOverMax val="0"/>
-  </c:chart>
-  <c:spPr>
-    <a:noFill/>
-    <a:ln>
-      <a:noFill/>
-    </a:ln>
-    <a:effectLst/>
-  </c:spPr>
-  <c:txPr>
-    <a:bodyPr/>
-    <a:lstStyle/>
-    <a:p>
-      <a:pPr>
-        <a:defRPr/>
-      </a:pPr>
-      <a:endParaRPr lang="pt-BR"/>
-    </a:p>
-  </c:txPr>
-  <c:externalData r:id="rId3">
-    <c:autoUpdate val="0"/>
-  </c:externalData>
-</c:chartSpace>
-</file>
-
-<file path=ppt/charts/colors1.xml><?xml version="1.0" encoding="utf-8"?>
-<cs:colorStyle xmlns:cs="http://schemas.microsoft.com/office/drawing/2012/chartStyle" xmlns:a="http://schemas.openxmlformats.org/drawingml/2006/main" meth="withinLinear" id="14">
-  <a:schemeClr val="accent1"/>
-</cs:colorStyle>
-</file>
-
-<file path=ppt/charts/style1.xml><?xml version="1.0" encoding="utf-8"?>
-<cs:chartStyle xmlns:cs="http://schemas.microsoft.com/office/drawing/2012/chartStyle" xmlns:a="http://schemas.openxmlformats.org/drawingml/2006/main" id="251">
-  <cs:axisTitle>
-    <cs:lnRef idx="0"/>
-    <cs:fillRef idx="0"/>
-    <cs:effectRef idx="0"/>
-    <cs:fontRef idx="minor">
-      <a:schemeClr val="tx1">
-        <a:lumMod val="65000"/>
-        <a:lumOff val="35000"/>
-      </a:schemeClr>
-    </cs:fontRef>
-    <cs:defRPr sz="1330" kern="1200"/>
-  </cs:axisTitle>
-  <cs:categoryAxis>
-    <cs:lnRef idx="0"/>
-    <cs:fillRef idx="0"/>
-    <cs:effectRef idx="0"/>
-    <cs:fontRef idx="minor">
-      <a:schemeClr val="tx1">
-        <a:lumMod val="65000"/>
-        <a:lumOff val="35000"/>
-      </a:schemeClr>
-    </cs:fontRef>
-    <cs:spPr>
-      <a:ln w="9525" cap="flat" cmpd="sng" algn="ctr">
-        <a:solidFill>
-          <a:schemeClr val="tx1">
-            <a:lumMod val="15000"/>
-            <a:lumOff val="85000"/>
-          </a:schemeClr>
-        </a:solidFill>
-        <a:round/>
-      </a:ln>
-    </cs:spPr>
-    <cs:defRPr sz="1197" kern="1200"/>
-  </cs:categoryAxis>
-  <cs:chartArea mods="allowNoFillOverride allowNoLineOverride">
-    <cs:lnRef idx="0"/>
-    <cs:fillRef idx="0"/>
-    <cs:effectRef idx="0"/>
-    <cs:fontRef idx="minor">
-      <a:schemeClr val="tx1"/>
-    </cs:fontRef>
-    <cs:spPr>
-      <a:solidFill>
-        <a:schemeClr val="bg1"/>
-      </a:solidFill>
-      <a:ln w="9525" cap="flat" cmpd="sng" algn="ctr">
-        <a:solidFill>
-          <a:schemeClr val="tx1">
-            <a:lumMod val="15000"/>
-            <a:lumOff val="85000"/>
-          </a:schemeClr>
-        </a:solidFill>
-        <a:round/>
-      </a:ln>
-    </cs:spPr>
-    <cs:defRPr sz="1197" kern="1200"/>
-  </cs:chartArea>
-  <cs:dataLabel>
-    <cs:lnRef idx="0"/>
-    <cs:fillRef idx="0"/>
-    <cs:effectRef idx="0"/>
-    <cs:fontRef idx="minor">
-      <a:schemeClr val="tx1">
-        <a:lumMod val="75000"/>
-        <a:lumOff val="25000"/>
-      </a:schemeClr>
-    </cs:fontRef>
-    <cs:defRPr sz="1197" kern="1200"/>
-  </cs:dataLabel>
-  <cs:dataLabelCallout>
-    <cs:lnRef idx="0"/>
-    <cs:fillRef idx="0"/>
-    <cs:effectRef idx="0"/>
-    <cs:fontRef idx="minor">
-      <a:schemeClr val="dk1">
-        <a:lumMod val="65000"/>
-        <a:lumOff val="35000"/>
-      </a:schemeClr>
-    </cs:fontRef>
-    <cs:spPr>
-      <a:solidFill>
-        <a:schemeClr val="lt1"/>
-      </a:solidFill>
-      <a:ln>
-        <a:solidFill>
-          <a:schemeClr val="dk1">
-            <a:lumMod val="25000"/>
-            <a:lumOff val="75000"/>
-          </a:schemeClr>
-        </a:solidFill>
-      </a:ln>
-    </cs:spPr>
-    <cs:defRPr sz="1197" kern="1200"/>
-    <cs:bodyPr rot="0" spcFirstLastPara="1" vertOverflow="clip" horzOverflow="clip" vert="horz" wrap="square" lIns="36576" tIns="18288" rIns="36576" bIns="18288" anchor="ctr" anchorCtr="1">
-      <a:spAutoFit/>
-    </cs:bodyPr>
-  </cs:dataLabelCallout>
-  <cs:dataPoint>
-    <cs:lnRef idx="0"/>
-    <cs:fillRef idx="1">
-      <cs:styleClr val="auto"/>
-    </cs:fillRef>
-    <cs:effectRef idx="0"/>
-    <cs:fontRef idx="minor">
-      <a:schemeClr val="tx1"/>
-    </cs:fontRef>
-    <cs:spPr>
-      <a:ln w="19050">
-        <a:solidFill>
-          <a:schemeClr val="lt1"/>
-        </a:solidFill>
-      </a:ln>
-    </cs:spPr>
-  </cs:dataPoint>
-  <cs:dataPoint3D>
-    <cs:lnRef idx="0"/>
-    <cs:fillRef idx="1">
-      <cs:styleClr val="auto"/>
-    </cs:fillRef>
-    <cs:effectRef idx="0"/>
-    <cs:fontRef idx="minor">
-      <a:schemeClr val="tx1"/>
-    </cs:fontRef>
-    <cs:spPr>
-      <a:ln w="25400">
-        <a:solidFill>
-          <a:schemeClr val="lt1"/>
-        </a:solidFill>
-      </a:ln>
-    </cs:spPr>
-  </cs:dataPoint3D>
-  <cs:dataPointLine>
-    <cs:lnRef idx="0">
-      <cs:styleClr val="auto"/>
-    </cs:lnRef>
-    <cs:fillRef idx="0"/>
-    <cs:effectRef idx="0"/>
-    <cs:fontRef idx="minor">
-      <a:schemeClr val="tx1"/>
-    </cs:fontRef>
-    <cs:spPr>
-      <a:ln w="28575" cap="rnd">
-        <a:solidFill>
-          <a:schemeClr val="phClr"/>
-        </a:solidFill>
-        <a:round/>
-      </a:ln>
-    </cs:spPr>
-  </cs:dataPointLine>
-  <cs:dataPointMarker>
-    <cs:lnRef idx="0">
-      <cs:styleClr val="auto"/>
-    </cs:lnRef>
-    <cs:fillRef idx="1">
-      <cs:styleClr val="auto"/>
-    </cs:fillRef>
-    <cs:effectRef idx="0"/>
-    <cs:fontRef idx="minor">
-      <a:schemeClr val="tx1"/>
-    </cs:fontRef>
-    <cs:spPr>
-      <a:ln w="9525">
-        <a:solidFill>
-          <a:schemeClr val="phClr"/>
-        </a:solidFill>
-      </a:ln>
-    </cs:spPr>
-  </cs:dataPointMarker>
-  <cs:dataPointMarkerLayout symbol="circle" size="5"/>
-  <cs:dataPointWireframe>
-    <cs:lnRef idx="0">
-      <cs:styleClr val="auto"/>
-    </cs:lnRef>
-    <cs:fillRef idx="0"/>
-    <cs:effectRef idx="0"/>
-    <cs:fontRef idx="minor">
-      <a:schemeClr val="tx1"/>
-    </cs:fontRef>
-    <cs:spPr>
-      <a:ln w="9525" cap="rnd">
-        <a:solidFill>
-          <a:schemeClr val="phClr"/>
-        </a:solidFill>
-        <a:round/>
-      </a:ln>
-    </cs:spPr>
-  </cs:dataPointWireframe>
-  <cs:dataTable>
-    <cs:lnRef idx="0"/>
-    <cs:fillRef idx="0"/>
-    <cs:effectRef idx="0"/>
-    <cs:fontRef idx="minor">
-      <a:schemeClr val="tx1">
-        <a:lumMod val="65000"/>
-        <a:lumOff val="35000"/>
-      </a:schemeClr>
-    </cs:fontRef>
-    <cs:spPr>
-      <a:noFill/>
-      <a:ln w="9525" cap="flat" cmpd="sng" algn="ctr">
-        <a:solidFill>
-          <a:schemeClr val="tx1">
-            <a:lumMod val="15000"/>
-            <a:lumOff val="85000"/>
-          </a:schemeClr>
-        </a:solidFill>
-        <a:round/>
-      </a:ln>
-    </cs:spPr>
-    <cs:defRPr sz="1197" kern="1200"/>
-  </cs:dataTable>
-  <cs:downBar>
-    <cs:lnRef idx="0"/>
-    <cs:fillRef idx="0"/>
-    <cs:effectRef idx="0"/>
-    <cs:fontRef idx="minor">
-      <a:schemeClr val="tx1"/>
-    </cs:fontRef>
-    <cs:spPr>
-      <a:solidFill>
-        <a:schemeClr val="dk1">
-          <a:lumMod val="75000"/>
-          <a:lumOff val="25000"/>
-        </a:schemeClr>
-      </a:solidFill>
-      <a:ln w="9525" cap="flat" cmpd="sng" algn="ctr">
-        <a:solidFill>
-          <a:schemeClr val="tx1">
-            <a:lumMod val="65000"/>
-            <a:lumOff val="35000"/>
-          </a:schemeClr>
-        </a:solidFill>
-        <a:round/>
-      </a:ln>
-    </cs:spPr>
-  </cs:downBar>
-  <cs:dropLine>
-    <cs:lnRef idx="0"/>
-    <cs:fillRef idx="0"/>
-    <cs:effectRef idx="0"/>
-    <cs:fontRef idx="minor">
-      <a:schemeClr val="tx1"/>
-    </cs:fontRef>
-    <cs:spPr>
-      <a:ln w="9525" cap="flat" cmpd="sng" algn="ctr">
-        <a:solidFill>
-          <a:schemeClr val="tx1">
-            <a:lumMod val="35000"/>
-            <a:lumOff val="65000"/>
-          </a:schemeClr>
-        </a:solidFill>
-        <a:round/>
-      </a:ln>
-    </cs:spPr>
-  </cs:dropLine>
-  <cs:errorBar>
-    <cs:lnRef idx="0"/>
-    <cs:fillRef idx="0"/>
-    <cs:effectRef idx="0"/>
-    <cs:fontRef idx="minor">
-      <a:schemeClr val="tx1"/>
-    </cs:fontRef>
-    <cs:spPr>
-      <a:ln w="9525" cap="flat" cmpd="sng" algn="ctr">
-        <a:solidFill>
-          <a:schemeClr val="tx1">
-            <a:lumMod val="65000"/>
-            <a:lumOff val="35000"/>
-          </a:schemeClr>
-        </a:solidFill>
-        <a:round/>
-      </a:ln>
-    </cs:spPr>
-  </cs:errorBar>
-  <cs:floor>
-    <cs:lnRef idx="0"/>
-    <cs:fillRef idx="0"/>
-    <cs:effectRef idx="0"/>
-    <cs:fontRef idx="minor">
-      <a:schemeClr val="tx1"/>
-    </cs:fontRef>
-    <cs:spPr>
-      <a:noFill/>
-      <a:ln>
-        <a:noFill/>
-      </a:ln>
-    </cs:spPr>
-  </cs:floor>
-  <cs:gridlineMajor>
-    <cs:lnRef idx="0"/>
-    <cs:fillRef idx="0"/>
-    <cs:effectRef idx="0"/>
-    <cs:fontRef idx="minor">
-      <a:schemeClr val="tx1"/>
-    </cs:fontRef>
-    <cs:spPr>
-      <a:ln w="9525" cap="flat" cmpd="sng" algn="ctr">
-        <a:solidFill>
-          <a:schemeClr val="tx1">
-            <a:lumMod val="15000"/>
-            <a:lumOff val="85000"/>
-          </a:schemeClr>
-        </a:solidFill>
-        <a:round/>
-      </a:ln>
-    </cs:spPr>
-  </cs:gridlineMajor>
-  <cs:gridlineMinor>
-    <cs:lnRef idx="0"/>
-    <cs:fillRef idx="0"/>
-    <cs:effectRef idx="0"/>
-    <cs:fontRef idx="minor">
-      <a:schemeClr val="tx1"/>
-    </cs:fontRef>
-    <cs:spPr>
-      <a:ln w="9525" cap="flat" cmpd="sng" algn="ctr">
-        <a:solidFill>
-          <a:schemeClr val="tx1">
-            <a:lumMod val="5000"/>
-            <a:lumOff val="95000"/>
-          </a:schemeClr>
-        </a:solidFill>
-        <a:round/>
-      </a:ln>
-    </cs:spPr>
-  </cs:gridlineMinor>
-  <cs:hiLoLine>
-    <cs:lnRef idx="0"/>
-    <cs:fillRef idx="0"/>
-    <cs:effectRef idx="0"/>
-    <cs:fontRef idx="minor">
-      <a:schemeClr val="tx1"/>
-    </cs:fontRef>
-    <cs:spPr>
-      <a:ln w="9525" cap="flat" cmpd="sng" algn="ctr">
-        <a:solidFill>
-          <a:schemeClr val="tx1">
-            <a:lumMod val="50000"/>
-            <a:lumOff val="50000"/>
-          </a:schemeClr>
-        </a:solidFill>
-        <a:round/>
-      </a:ln>
-    </cs:spPr>
-  </cs:hiLoLine>
-  <cs:leaderLine>
-    <cs:lnRef idx="0"/>
-    <cs:fillRef idx="0"/>
-    <cs:effectRef idx="0"/>
-    <cs:fontRef idx="minor">
-      <a:schemeClr val="tx1"/>
-    </cs:fontRef>
-    <cs:spPr>
-      <a:ln w="9525" cap="flat" cmpd="sng" algn="ctr">
-        <a:solidFill>
-          <a:schemeClr val="tx1">
-            <a:lumMod val="35000"/>
-            <a:lumOff val="65000"/>
-          </a:schemeClr>
-        </a:solidFill>
-        <a:round/>
-      </a:ln>
-    </cs:spPr>
-  </cs:leaderLine>
-  <cs:legend>
-    <cs:lnRef idx="0"/>
-    <cs:fillRef idx="0"/>
-    <cs:effectRef idx="0"/>
-    <cs:fontRef idx="minor">
-      <a:schemeClr val="tx1">
-        <a:lumMod val="65000"/>
-        <a:lumOff val="35000"/>
-      </a:schemeClr>
-    </cs:fontRef>
-    <cs:defRPr sz="1197" kern="1200"/>
-  </cs:legend>
-  <cs:plotArea mods="allowNoFillOverride allowNoLineOverride">
-    <cs:lnRef idx="0"/>
-    <cs:fillRef idx="0"/>
-    <cs:effectRef idx="0"/>
-    <cs:fontRef idx="minor">
-      <a:schemeClr val="tx1"/>
-    </cs:fontRef>
-  </cs:plotArea>
-  <cs:plotArea3D mods="allowNoFillOverride allowNoLineOverride">
-    <cs:lnRef idx="0"/>
-    <cs:fillRef idx="0"/>
-    <cs:effectRef idx="0"/>
-    <cs:fontRef idx="minor">
-      <a:schemeClr val="tx1"/>
-    </cs:fontRef>
-  </cs:plotArea3D>
-  <cs:seriesAxis>
-    <cs:lnRef idx="0"/>
-    <cs:fillRef idx="0"/>
-    <cs:effectRef idx="0"/>
-    <cs:fontRef idx="minor">
-      <a:schemeClr val="tx1">
-        <a:lumMod val="65000"/>
-        <a:lumOff val="35000"/>
-      </a:schemeClr>
-    </cs:fontRef>
-    <cs:defRPr sz="1197" kern="1200"/>
-  </cs:seriesAxis>
-  <cs:seriesLine>
-    <cs:lnRef idx="0"/>
-    <cs:fillRef idx="0"/>
-    <cs:effectRef idx="0"/>
-    <cs:fontRef idx="minor">
-      <a:schemeClr val="tx1"/>
-    </cs:fontRef>
-    <cs:spPr>
-      <a:ln w="9525" cap="flat" cmpd="sng" algn="ctr">
-        <a:solidFill>
-          <a:schemeClr val="tx1">
-            <a:lumMod val="35000"/>
-            <a:lumOff val="65000"/>
-          </a:schemeClr>
-        </a:solidFill>
-        <a:round/>
-      </a:ln>
-    </cs:spPr>
-  </cs:seriesLine>
-  <cs:title>
-    <cs:lnRef idx="0"/>
-    <cs:fillRef idx="0"/>
-    <cs:effectRef idx="0"/>
-    <cs:fontRef idx="minor">
-      <a:schemeClr val="tx1">
-        <a:lumMod val="65000"/>
-        <a:lumOff val="35000"/>
-      </a:schemeClr>
-    </cs:fontRef>
-    <cs:defRPr sz="1862" b="0" kern="1200" spc="0" baseline="0"/>
-  </cs:title>
-  <cs:trendline>
-    <cs:lnRef idx="0">
-      <cs:styleClr val="auto"/>
-    </cs:lnRef>
-    <cs:fillRef idx="0"/>
-    <cs:effectRef idx="0"/>
-    <cs:fontRef idx="minor">
-      <a:schemeClr val="tx1"/>
-    </cs:fontRef>
-    <cs:spPr>
-      <a:ln w="19050" cap="rnd">
-        <a:solidFill>
-          <a:schemeClr val="phClr"/>
-        </a:solidFill>
-        <a:prstDash val="sysDot"/>
-      </a:ln>
-    </cs:spPr>
-  </cs:trendline>
-  <cs:trendlineLabel>
-    <cs:lnRef idx="0"/>
-    <cs:fillRef idx="0"/>
-    <cs:effectRef idx="0"/>
-    <cs:fontRef idx="minor">
-      <a:schemeClr val="tx1">
-        <a:lumMod val="65000"/>
-        <a:lumOff val="35000"/>
-      </a:schemeClr>
-    </cs:fontRef>
-    <cs:defRPr sz="1197" kern="1200"/>
-  </cs:trendlineLabel>
-  <cs:upBar>
-    <cs:lnRef idx="0"/>
-    <cs:fillRef idx="0"/>
-    <cs:effectRef idx="0"/>
-    <cs:fontRef idx="minor">
-      <a:schemeClr val="tx1"/>
-    </cs:fontRef>
-    <cs:spPr>
-      <a:solidFill>
-        <a:schemeClr val="lt1"/>
-      </a:solidFill>
-      <a:ln w="9525" cap="flat" cmpd="sng" algn="ctr">
-        <a:solidFill>
-          <a:schemeClr val="tx1">
-            <a:lumMod val="65000"/>
-            <a:lumOff val="35000"/>
-          </a:schemeClr>
-        </a:solidFill>
-        <a:round/>
-      </a:ln>
-    </cs:spPr>
-  </cs:upBar>
-  <cs:valueAxis>
-    <cs:lnRef idx="0"/>
-    <cs:fillRef idx="0"/>
-    <cs:effectRef idx="0"/>
-    <cs:fontRef idx="minor">
-      <a:schemeClr val="tx1">
-        <a:lumMod val="65000"/>
-        <a:lumOff val="35000"/>
-      </a:schemeClr>
-    </cs:fontRef>
-    <cs:defRPr sz="1197" kern="1200"/>
-  </cs:valueAxis>
-  <cs:wall>
-    <cs:lnRef idx="0"/>
-    <cs:fillRef idx="0"/>
-    <cs:effectRef idx="0"/>
-    <cs:fontRef idx="minor">
-      <a:schemeClr val="tx1"/>
-    </cs:fontRef>
-    <cs:spPr>
-      <a:noFill/>
-      <a:ln>
-        <a:noFill/>
-      </a:ln>
-    </cs:spPr>
-  </cs:wall>
-</cs:chartStyle>
-</file>
-
 <file path=ppt/slideLayouts/slideLayout1.xml><?xml version="1.0" encoding="utf-8"?>
 <p:sldLayout xmlns:a="http://schemas.openxmlformats.org/drawingml/2006/main" xmlns:r="http://schemas.openxmlformats.org/officeDocument/2006/relationships" xmlns:p="http://schemas.openxmlformats.org/presentationml/2006/main" type="title" preserve="1">
   <p:cSld name="Slide de Título">
@@ -1117,7 +283,7 @@
           <a:p>
             <a:fld id="{391BA8BA-4A05-469E-8C42-FC9DD0572308}" type="datetimeFigureOut">
               <a:rPr lang="pt-BR" smtClean="0"/>
-              <a:t>11/02/2020</a:t>
+              <a:t>12/02/2020</a:t>
             </a:fld>
             <a:endParaRPr lang="pt-BR"/>
           </a:p>
@@ -1315,7 +481,7 @@
           <a:p>
             <a:fld id="{391BA8BA-4A05-469E-8C42-FC9DD0572308}" type="datetimeFigureOut">
               <a:rPr lang="pt-BR" smtClean="0"/>
-              <a:t>11/02/2020</a:t>
+              <a:t>12/02/2020</a:t>
             </a:fld>
             <a:endParaRPr lang="pt-BR"/>
           </a:p>
@@ -1523,7 +689,7 @@
           <a:p>
             <a:fld id="{391BA8BA-4A05-469E-8C42-FC9DD0572308}" type="datetimeFigureOut">
               <a:rPr lang="pt-BR" smtClean="0"/>
-              <a:t>11/02/2020</a:t>
+              <a:t>12/02/2020</a:t>
             </a:fld>
             <a:endParaRPr lang="pt-BR"/>
           </a:p>
@@ -1721,7 +887,7 @@
           <a:p>
             <a:fld id="{391BA8BA-4A05-469E-8C42-FC9DD0572308}" type="datetimeFigureOut">
               <a:rPr lang="pt-BR" smtClean="0"/>
-              <a:t>11/02/2020</a:t>
+              <a:t>12/02/2020</a:t>
             </a:fld>
             <a:endParaRPr lang="pt-BR"/>
           </a:p>
@@ -1996,7 +1162,7 @@
           <a:p>
             <a:fld id="{391BA8BA-4A05-469E-8C42-FC9DD0572308}" type="datetimeFigureOut">
               <a:rPr lang="pt-BR" smtClean="0"/>
-              <a:t>11/02/2020</a:t>
+              <a:t>12/02/2020</a:t>
             </a:fld>
             <a:endParaRPr lang="pt-BR"/>
           </a:p>
@@ -2261,7 +1427,7 @@
           <a:p>
             <a:fld id="{391BA8BA-4A05-469E-8C42-FC9DD0572308}" type="datetimeFigureOut">
               <a:rPr lang="pt-BR" smtClean="0"/>
-              <a:t>11/02/2020</a:t>
+              <a:t>12/02/2020</a:t>
             </a:fld>
             <a:endParaRPr lang="pt-BR"/>
           </a:p>
@@ -2673,7 +1839,7 @@
           <a:p>
             <a:fld id="{391BA8BA-4A05-469E-8C42-FC9DD0572308}" type="datetimeFigureOut">
               <a:rPr lang="pt-BR" smtClean="0"/>
-              <a:t>11/02/2020</a:t>
+              <a:t>12/02/2020</a:t>
             </a:fld>
             <a:endParaRPr lang="pt-BR"/>
           </a:p>
@@ -2814,7 +1980,7 @@
           <a:p>
             <a:fld id="{391BA8BA-4A05-469E-8C42-FC9DD0572308}" type="datetimeFigureOut">
               <a:rPr lang="pt-BR" smtClean="0"/>
-              <a:t>11/02/2020</a:t>
+              <a:t>12/02/2020</a:t>
             </a:fld>
             <a:endParaRPr lang="pt-BR"/>
           </a:p>
@@ -2927,7 +2093,7 @@
           <a:p>
             <a:fld id="{391BA8BA-4A05-469E-8C42-FC9DD0572308}" type="datetimeFigureOut">
               <a:rPr lang="pt-BR" smtClean="0"/>
-              <a:t>11/02/2020</a:t>
+              <a:t>12/02/2020</a:t>
             </a:fld>
             <a:endParaRPr lang="pt-BR"/>
           </a:p>
@@ -3238,7 +2404,7 @@
           <a:p>
             <a:fld id="{391BA8BA-4A05-469E-8C42-FC9DD0572308}" type="datetimeFigureOut">
               <a:rPr lang="pt-BR" smtClean="0"/>
-              <a:t>11/02/2020</a:t>
+              <a:t>12/02/2020</a:t>
             </a:fld>
             <a:endParaRPr lang="pt-BR"/>
           </a:p>
@@ -3526,7 +2692,7 @@
           <a:p>
             <a:fld id="{391BA8BA-4A05-469E-8C42-FC9DD0572308}" type="datetimeFigureOut">
               <a:rPr lang="pt-BR" smtClean="0"/>
-              <a:t>11/02/2020</a:t>
+              <a:t>12/02/2020</a:t>
             </a:fld>
             <a:endParaRPr lang="pt-BR"/>
           </a:p>
@@ -3767,7 +2933,7 @@
           <a:p>
             <a:fld id="{391BA8BA-4A05-469E-8C42-FC9DD0572308}" type="datetimeFigureOut">
               <a:rPr lang="pt-BR" smtClean="0"/>
-              <a:t>11/02/2020</a:t>
+              <a:t>12/02/2020</a:t>
             </a:fld>
             <a:endParaRPr lang="pt-BR"/>
           </a:p>
@@ -4208,7 +3374,7 @@
         </p:spPr>
         <p:txBody>
           <a:bodyPr>
-            <a:normAutofit fontScale="90000"/>
+            <a:normAutofit/>
           </a:bodyPr>
           <a:lstStyle/>
           <a:p>
@@ -4219,9 +3385,6 @@
               </a:rPr>
               <a:t>Aplicação de ETL e Raspagem de Dados para Compor Um Banco de Questões</a:t>
             </a:r>
-            <a:br>
-              <a:rPr lang="pt-BR" dirty="0"/>
-            </a:br>
             <a:endParaRPr lang="pt-BR" dirty="0"/>
           </a:p>
         </p:txBody>
@@ -4250,7 +3413,7 @@
         </p:spPr>
         <p:txBody>
           <a:bodyPr>
-            <a:normAutofit fontScale="92500" lnSpcReduction="20000"/>
+            <a:normAutofit/>
           </a:bodyPr>
           <a:lstStyle/>
           <a:p>
@@ -4268,7 +3431,7 @@
                 <a:latin typeface="Times New Roman" panose="02020603050405020304" pitchFamily="18" charset="0"/>
                 <a:cs typeface="Times New Roman" panose="02020603050405020304" pitchFamily="18" charset="0"/>
               </a:rPr>
-              <a:t>TÍTULO DO TRABALHO: QuizFATEC: Banco de Questões e Aplicativo Móvel Simulador dos Vestibulares da FATEC</a:t>
+              <a:t>TÍTULO DO TRABALHO: Aplicação de ETL e Raspagem de Dados para Compor Um Banco de Questões</a:t>
             </a:r>
           </a:p>
           <a:p>
@@ -4281,13 +3444,10 @@
             </a:r>
           </a:p>
           <a:p>
-            <a:r>
-              <a:rPr lang="pt-BR" dirty="0">
-                <a:latin typeface="Times New Roman" panose="02020603050405020304" pitchFamily="18" charset="0"/>
-                <a:cs typeface="Times New Roman" panose="02020603050405020304" pitchFamily="18" charset="0"/>
-              </a:rPr>
-              <a:t> </a:t>
-            </a:r>
+            <a:endParaRPr lang="pt-BR" dirty="0">
+              <a:latin typeface="Times New Roman" panose="02020603050405020304" pitchFamily="18" charset="0"/>
+              <a:cs typeface="Times New Roman" panose="02020603050405020304" pitchFamily="18" charset="0"/>
+            </a:endParaRPr>
           </a:p>
           <a:p>
             <a:endParaRPr lang="pt-BR" dirty="0"/>
@@ -4514,6 +3674,44 @@
           </a:prstGeom>
         </p:spPr>
       </p:pic>
+      <p:sp>
+        <p:nvSpPr>
+          <p:cNvPr id="5" name="CaixaDeTexto 4">
+            <a:extLst>
+              <a:ext uri="{FF2B5EF4-FFF2-40B4-BE49-F238E27FC236}">
+                <a16:creationId xmlns:a16="http://schemas.microsoft.com/office/drawing/2014/main" id="{B4CAAC1A-1684-4863-8A14-F032BF0F73A7}"/>
+              </a:ext>
+            </a:extLst>
+          </p:cNvPr>
+          <p:cNvSpPr txBox="1"/>
+          <p:nvPr/>
+        </p:nvSpPr>
+        <p:spPr>
+          <a:xfrm>
+            <a:off x="8275689" y="5214522"/>
+            <a:ext cx="788565" cy="307777"/>
+          </a:xfrm>
+          <a:prstGeom prst="rect">
+            <a:avLst/>
+          </a:prstGeom>
+          <a:noFill/>
+        </p:spPr>
+        <p:txBody>
+          <a:bodyPr wrap="square" rtlCol="0">
+            <a:spAutoFit/>
+          </a:bodyPr>
+          <a:lstStyle/>
+          <a:p>
+            <a:r>
+              <a:rPr lang="pt-BR" sz="1400" dirty="0">
+                <a:latin typeface="Times New Roman" panose="02020603050405020304" pitchFamily="18" charset="0"/>
+                <a:cs typeface="Times New Roman" panose="02020603050405020304" pitchFamily="18" charset="0"/>
+              </a:rPr>
+              <a:t>Figura 4</a:t>
+            </a:r>
+          </a:p>
+        </p:txBody>
+      </p:sp>
     </p:spTree>
     <p:extLst>
       <p:ext uri="{BB962C8B-B14F-4D97-AF65-F5344CB8AC3E}">
@@ -4958,6 +4156,44 @@
           </a:prstGeom>
         </p:spPr>
       </p:pic>
+      <p:sp>
+        <p:nvSpPr>
+          <p:cNvPr id="5" name="CaixaDeTexto 4">
+            <a:extLst>
+              <a:ext uri="{FF2B5EF4-FFF2-40B4-BE49-F238E27FC236}">
+                <a16:creationId xmlns:a16="http://schemas.microsoft.com/office/drawing/2014/main" id="{1A6A8FBB-2C2F-4D04-A23E-18AAF3A8B60C}"/>
+              </a:ext>
+            </a:extLst>
+          </p:cNvPr>
+          <p:cNvSpPr txBox="1"/>
+          <p:nvPr/>
+        </p:nvSpPr>
+        <p:spPr>
+          <a:xfrm>
+            <a:off x="5701717" y="943391"/>
+            <a:ext cx="788565" cy="307777"/>
+          </a:xfrm>
+          <a:prstGeom prst="rect">
+            <a:avLst/>
+          </a:prstGeom>
+          <a:noFill/>
+        </p:spPr>
+        <p:txBody>
+          <a:bodyPr wrap="square" rtlCol="0">
+            <a:spAutoFit/>
+          </a:bodyPr>
+          <a:lstStyle/>
+          <a:p>
+            <a:r>
+              <a:rPr lang="pt-BR" sz="1400" dirty="0">
+                <a:latin typeface="Times New Roman" panose="02020603050405020304" pitchFamily="18" charset="0"/>
+                <a:cs typeface="Times New Roman" panose="02020603050405020304" pitchFamily="18" charset="0"/>
+              </a:rPr>
+              <a:t>Figura 8</a:t>
+            </a:r>
+          </a:p>
+        </p:txBody>
+      </p:sp>
     </p:spTree>
     <p:extLst>
       <p:ext uri="{BB962C8B-B14F-4D97-AF65-F5344CB8AC3E}">
@@ -5083,7 +4319,7 @@
         </p:blipFill>
         <p:spPr>
           <a:xfrm>
-            <a:off x="5191760" y="3159760"/>
+            <a:off x="5273040" y="3340735"/>
             <a:ext cx="6162040" cy="3517265"/>
           </a:xfrm>
           <a:prstGeom prst="rect">
@@ -5091,6 +4327,44 @@
           </a:prstGeom>
         </p:spPr>
       </p:pic>
+      <p:sp>
+        <p:nvSpPr>
+          <p:cNvPr id="5" name="CaixaDeTexto 4">
+            <a:extLst>
+              <a:ext uri="{FF2B5EF4-FFF2-40B4-BE49-F238E27FC236}">
+                <a16:creationId xmlns:a16="http://schemas.microsoft.com/office/drawing/2014/main" id="{78AFB961-2255-4065-9A4A-CCF171538C65}"/>
+              </a:ext>
+            </a:extLst>
+          </p:cNvPr>
+          <p:cNvSpPr txBox="1"/>
+          <p:nvPr/>
+        </p:nvSpPr>
+        <p:spPr>
+          <a:xfrm>
+            <a:off x="7959777" y="3032958"/>
+            <a:ext cx="788565" cy="307777"/>
+          </a:xfrm>
+          <a:prstGeom prst="rect">
+            <a:avLst/>
+          </a:prstGeom>
+          <a:noFill/>
+        </p:spPr>
+        <p:txBody>
+          <a:bodyPr wrap="square" rtlCol="0">
+            <a:spAutoFit/>
+          </a:bodyPr>
+          <a:lstStyle/>
+          <a:p>
+            <a:r>
+              <a:rPr lang="pt-BR" sz="1400" dirty="0">
+                <a:latin typeface="Times New Roman" panose="02020603050405020304" pitchFamily="18" charset="0"/>
+                <a:cs typeface="Times New Roman" panose="02020603050405020304" pitchFamily="18" charset="0"/>
+              </a:rPr>
+              <a:t>Figura 9</a:t>
+            </a:r>
+          </a:p>
+        </p:txBody>
+      </p:sp>
     </p:spTree>
     <p:extLst>
       <p:ext uri="{BB962C8B-B14F-4D97-AF65-F5344CB8AC3E}">
@@ -5260,6 +4534,44 @@
           </a:extLst>
         </p:spPr>
       </p:pic>
+      <p:sp>
+        <p:nvSpPr>
+          <p:cNvPr id="5" name="CaixaDeTexto 4">
+            <a:extLst>
+              <a:ext uri="{FF2B5EF4-FFF2-40B4-BE49-F238E27FC236}">
+                <a16:creationId xmlns:a16="http://schemas.microsoft.com/office/drawing/2014/main" id="{BF64C55E-98A1-4ABB-9EBE-DAE897D2475F}"/>
+              </a:ext>
+            </a:extLst>
+          </p:cNvPr>
+          <p:cNvSpPr txBox="1"/>
+          <p:nvPr/>
+        </p:nvSpPr>
+        <p:spPr>
+          <a:xfrm>
+            <a:off x="8905147" y="945553"/>
+            <a:ext cx="942208" cy="307777"/>
+          </a:xfrm>
+          <a:prstGeom prst="rect">
+            <a:avLst/>
+          </a:prstGeom>
+          <a:noFill/>
+        </p:spPr>
+        <p:txBody>
+          <a:bodyPr wrap="square" rtlCol="0">
+            <a:spAutoFit/>
+          </a:bodyPr>
+          <a:lstStyle/>
+          <a:p>
+            <a:r>
+              <a:rPr lang="pt-BR" sz="1400" dirty="0">
+                <a:latin typeface="Times New Roman" panose="02020603050405020304" pitchFamily="18" charset="0"/>
+                <a:cs typeface="Times New Roman" panose="02020603050405020304" pitchFamily="18" charset="0"/>
+              </a:rPr>
+              <a:t>Figura 10</a:t>
+            </a:r>
+          </a:p>
+        </p:txBody>
+      </p:sp>
     </p:spTree>
     <p:extLst>
       <p:ext uri="{BB962C8B-B14F-4D97-AF65-F5344CB8AC3E}">
@@ -5976,34 +5288,112 @@
           </a:extLst>
         </p:spPr>
       </p:pic>
-      <p:graphicFrame>
-        <p:nvGraphicFramePr>
-          <p:cNvPr id="8" name="Gráfico 7">
-            <a:extLst>
-              <a:ext uri="{FF2B5EF4-FFF2-40B4-BE49-F238E27FC236}">
-                <a16:creationId xmlns:a16="http://schemas.microsoft.com/office/drawing/2014/main" id="{AFB40A03-BE69-439E-97E0-991BDEA46141}"/>
-              </a:ext>
-            </a:extLst>
-          </p:cNvPr>
-          <p:cNvGraphicFramePr/>
-          <p:nvPr>
-            <p:extLst>
-              <p:ext uri="{D42A27DB-BD31-4B8C-83A1-F6EECF244321}">
-                <p14:modId xmlns:p14="http://schemas.microsoft.com/office/powerpoint/2010/main" val="2901399248"/>
-              </p:ext>
-            </p:extLst>
-          </p:nvPr>
-        </p:nvGraphicFramePr>
-        <p:xfrm>
-          <a:off x="79185" y="1217392"/>
-          <a:ext cx="4604575" cy="5356127"/>
-        </p:xfrm>
-        <a:graphic>
-          <a:graphicData uri="http://schemas.openxmlformats.org/drawingml/2006/chart">
-            <c:chart xmlns:c="http://schemas.openxmlformats.org/drawingml/2006/chart" xmlns:r="http://schemas.openxmlformats.org/officeDocument/2006/relationships" r:id="rId6"/>
-          </a:graphicData>
-        </a:graphic>
-      </p:graphicFrame>
+      <p:pic>
+        <p:nvPicPr>
+          <p:cNvPr id="3" name="Imagem 2">
+            <a:extLst>
+              <a:ext uri="{FF2B5EF4-FFF2-40B4-BE49-F238E27FC236}">
+                <a16:creationId xmlns:a16="http://schemas.microsoft.com/office/drawing/2014/main" id="{78ED7992-241F-41F4-AAEC-578E05314610}"/>
+              </a:ext>
+            </a:extLst>
+          </p:cNvPr>
+          <p:cNvPicPr>
+            <a:picLocks noChangeAspect="1"/>
+          </p:cNvPicPr>
+          <p:nvPr/>
+        </p:nvPicPr>
+        <p:blipFill>
+          <a:blip r:embed="rId6"/>
+          <a:stretch>
+            <a:fillRect/>
+          </a:stretch>
+        </p:blipFill>
+        <p:spPr>
+          <a:xfrm>
+            <a:off x="-10484" y="1471156"/>
+            <a:ext cx="4608975" cy="5352752"/>
+          </a:xfrm>
+          <a:prstGeom prst="rect">
+            <a:avLst/>
+          </a:prstGeom>
+        </p:spPr>
+      </p:pic>
+      <p:sp>
+        <p:nvSpPr>
+          <p:cNvPr id="10" name="CaixaDeTexto 9">
+            <a:extLst>
+              <a:ext uri="{FF2B5EF4-FFF2-40B4-BE49-F238E27FC236}">
+                <a16:creationId xmlns:a16="http://schemas.microsoft.com/office/drawing/2014/main" id="{16E42FFB-B38E-494D-B199-61CF5B155493}"/>
+              </a:ext>
+            </a:extLst>
+          </p:cNvPr>
+          <p:cNvSpPr txBox="1"/>
+          <p:nvPr/>
+        </p:nvSpPr>
+        <p:spPr>
+          <a:xfrm>
+            <a:off x="1818772" y="1317267"/>
+            <a:ext cx="942208" cy="307777"/>
+          </a:xfrm>
+          <a:prstGeom prst="rect">
+            <a:avLst/>
+          </a:prstGeom>
+          <a:noFill/>
+        </p:spPr>
+        <p:txBody>
+          <a:bodyPr wrap="square" rtlCol="0">
+            <a:spAutoFit/>
+          </a:bodyPr>
+          <a:lstStyle/>
+          <a:p>
+            <a:r>
+              <a:rPr lang="pt-BR" sz="1400" dirty="0">
+                <a:latin typeface="Times New Roman" panose="02020603050405020304" pitchFamily="18" charset="0"/>
+                <a:cs typeface="Times New Roman" panose="02020603050405020304" pitchFamily="18" charset="0"/>
+              </a:rPr>
+              <a:t>Figura 12</a:t>
+            </a:r>
+          </a:p>
+        </p:txBody>
+      </p:sp>
+      <p:sp>
+        <p:nvSpPr>
+          <p:cNvPr id="11" name="CaixaDeTexto 10">
+            <a:extLst>
+              <a:ext uri="{FF2B5EF4-FFF2-40B4-BE49-F238E27FC236}">
+                <a16:creationId xmlns:a16="http://schemas.microsoft.com/office/drawing/2014/main" id="{26D8718B-BDCE-4462-B42E-65216F5EBEC2}"/>
+              </a:ext>
+            </a:extLst>
+          </p:cNvPr>
+          <p:cNvSpPr txBox="1"/>
+          <p:nvPr/>
+        </p:nvSpPr>
+        <p:spPr>
+          <a:xfrm>
+            <a:off x="7927182" y="932406"/>
+            <a:ext cx="942208" cy="307777"/>
+          </a:xfrm>
+          <a:prstGeom prst="rect">
+            <a:avLst/>
+          </a:prstGeom>
+          <a:noFill/>
+        </p:spPr>
+        <p:txBody>
+          <a:bodyPr wrap="square" rtlCol="0">
+            <a:spAutoFit/>
+          </a:bodyPr>
+          <a:lstStyle/>
+          <a:p>
+            <a:r>
+              <a:rPr lang="pt-BR" sz="1400" dirty="0">
+                <a:latin typeface="Times New Roman" panose="02020603050405020304" pitchFamily="18" charset="0"/>
+                <a:cs typeface="Times New Roman" panose="02020603050405020304" pitchFamily="18" charset="0"/>
+              </a:rPr>
+              <a:t>Tabela 6</a:t>
+            </a:r>
+          </a:p>
+        </p:txBody>
+      </p:sp>
     </p:spTree>
     <p:extLst>
       <p:ext uri="{BB962C8B-B14F-4D97-AF65-F5344CB8AC3E}">
@@ -6468,7 +5858,7 @@
         </p:blipFill>
         <p:spPr>
           <a:xfrm>
-            <a:off x="5002672" y="681036"/>
+            <a:off x="5002672" y="759423"/>
             <a:ext cx="7112000" cy="3893345"/>
           </a:xfrm>
           <a:prstGeom prst="rect">
@@ -6511,6 +5901,82 @@
           </a:extLst>
         </p:spPr>
       </p:pic>
+      <p:sp>
+        <p:nvSpPr>
+          <p:cNvPr id="6" name="CaixaDeTexto 5">
+            <a:extLst>
+              <a:ext uri="{FF2B5EF4-FFF2-40B4-BE49-F238E27FC236}">
+                <a16:creationId xmlns:a16="http://schemas.microsoft.com/office/drawing/2014/main" id="{BA14B693-F9CB-4234-AD47-412107BFC0C6}"/>
+              </a:ext>
+            </a:extLst>
+          </p:cNvPr>
+          <p:cNvSpPr txBox="1"/>
+          <p:nvPr/>
+        </p:nvSpPr>
+        <p:spPr>
+          <a:xfrm>
+            <a:off x="8087568" y="605535"/>
+            <a:ext cx="942208" cy="307777"/>
+          </a:xfrm>
+          <a:prstGeom prst="rect">
+            <a:avLst/>
+          </a:prstGeom>
+          <a:noFill/>
+        </p:spPr>
+        <p:txBody>
+          <a:bodyPr wrap="square" rtlCol="0">
+            <a:spAutoFit/>
+          </a:bodyPr>
+          <a:lstStyle/>
+          <a:p>
+            <a:r>
+              <a:rPr lang="pt-BR" sz="1400" dirty="0">
+                <a:latin typeface="Times New Roman" panose="02020603050405020304" pitchFamily="18" charset="0"/>
+                <a:cs typeface="Times New Roman" panose="02020603050405020304" pitchFamily="18" charset="0"/>
+              </a:rPr>
+              <a:t>Figura 14</a:t>
+            </a:r>
+          </a:p>
+        </p:txBody>
+      </p:sp>
+      <p:sp>
+        <p:nvSpPr>
+          <p:cNvPr id="7" name="CaixaDeTexto 6">
+            <a:extLst>
+              <a:ext uri="{FF2B5EF4-FFF2-40B4-BE49-F238E27FC236}">
+                <a16:creationId xmlns:a16="http://schemas.microsoft.com/office/drawing/2014/main" id="{8F1824BC-53E6-4D9D-82E2-BC09A8661F0C}"/>
+              </a:ext>
+            </a:extLst>
+          </p:cNvPr>
+          <p:cNvSpPr txBox="1"/>
+          <p:nvPr/>
+        </p:nvSpPr>
+        <p:spPr>
+          <a:xfrm>
+            <a:off x="2030232" y="2220680"/>
+            <a:ext cx="942208" cy="307777"/>
+          </a:xfrm>
+          <a:prstGeom prst="rect">
+            <a:avLst/>
+          </a:prstGeom>
+          <a:noFill/>
+        </p:spPr>
+        <p:txBody>
+          <a:bodyPr wrap="square" rtlCol="0">
+            <a:spAutoFit/>
+          </a:bodyPr>
+          <a:lstStyle/>
+          <a:p>
+            <a:r>
+              <a:rPr lang="pt-BR" sz="1400" dirty="0">
+                <a:latin typeface="Times New Roman" panose="02020603050405020304" pitchFamily="18" charset="0"/>
+                <a:cs typeface="Times New Roman" panose="02020603050405020304" pitchFamily="18" charset="0"/>
+              </a:rPr>
+              <a:t>Figura 18</a:t>
+            </a:r>
+          </a:p>
+        </p:txBody>
+      </p:sp>
     </p:spTree>
     <p:extLst>
       <p:ext uri="{BB962C8B-B14F-4D97-AF65-F5344CB8AC3E}">
@@ -7289,23 +6755,11 @@
               <a:buNone/>
             </a:pPr>
             <a:r>
-              <a:rPr lang="pt-BR" dirty="0"/>
+              <a:rPr lang="pt-BR" dirty="0">
+                <a:latin typeface="Times New Roman" panose="02020603050405020304" pitchFamily="18" charset="0"/>
+                <a:cs typeface="Times New Roman" panose="02020603050405020304" pitchFamily="18" charset="0"/>
+              </a:rPr>
               <a:t>É factual o crescimento de diplomados no Brasil, todavia esse número ainda é pouco expressivo, considerando 7,9% da população brasileira, trata-se de menos de 13,4 milhões de diplomados (IBGE, 2012). É notório o espaço para desenvolvimento acadêmico da população brasileira. </a:t>
-            </a:r>
-          </a:p>
-          <a:p>
-            <a:pPr marL="0" indent="0">
-              <a:buNone/>
-            </a:pPr>
-            <a:endParaRPr lang="pt-BR" dirty="0"/>
-          </a:p>
-          <a:p>
-            <a:pPr marL="0" indent="0">
-              <a:buNone/>
-            </a:pPr>
-            <a:r>
-              <a:rPr lang="pt-BR" dirty="0"/>
-              <a:t>Além do ENEM, diversas universidades, faculdades e até mesmo cursinhos, disponibilizam todos os anos provas de seus vestibulares, com o objetivo de incentivar a prática de estudantes e interessados. </a:t>
             </a:r>
           </a:p>
           <a:p>
@@ -7322,7 +6776,31 @@
               <a:buNone/>
             </a:pPr>
             <a:r>
-              <a:rPr lang="pt-BR" dirty="0"/>
+              <a:rPr lang="pt-BR" dirty="0">
+                <a:latin typeface="Times New Roman" panose="02020603050405020304" pitchFamily="18" charset="0"/>
+                <a:cs typeface="Times New Roman" panose="02020603050405020304" pitchFamily="18" charset="0"/>
+              </a:rPr>
+              <a:t>Além do ENEM, diversas universidades, faculdades e até mesmo cursinhos, disponibilizam todos os anos provas de seus vestibulares, com o objetivo de incentivar a prática de estudantes e interessados. </a:t>
+            </a:r>
+          </a:p>
+          <a:p>
+            <a:pPr marL="0" indent="0">
+              <a:buNone/>
+            </a:pPr>
+            <a:endParaRPr lang="pt-BR" dirty="0">
+              <a:latin typeface="Times New Roman" panose="02020603050405020304" pitchFamily="18" charset="0"/>
+              <a:cs typeface="Times New Roman" panose="02020603050405020304" pitchFamily="18" charset="0"/>
+            </a:endParaRPr>
+          </a:p>
+          <a:p>
+            <a:pPr marL="0" indent="0">
+              <a:buNone/>
+            </a:pPr>
+            <a:r>
+              <a:rPr lang="pt-BR" dirty="0">
+                <a:latin typeface="Times New Roman" panose="02020603050405020304" pitchFamily="18" charset="0"/>
+                <a:cs typeface="Times New Roman" panose="02020603050405020304" pitchFamily="18" charset="0"/>
+              </a:rPr>
               <a:t>Ao longo do desenvolvimento deste trabalho, serão aplicadas tecnologias para transformar os arquivos, textos, imagens e gabaritos disponibilizados por vestibulares em uma maneira mais acessível e convidativa. Visando tornar o estudo de vestibulandos mais eficiente e produtivo.</a:t>
             </a:r>
           </a:p>
@@ -7725,6 +7203,44 @@
           </a:extLst>
         </p:spPr>
       </p:pic>
+      <p:sp>
+        <p:nvSpPr>
+          <p:cNvPr id="5" name="CaixaDeTexto 4">
+            <a:extLst>
+              <a:ext uri="{FF2B5EF4-FFF2-40B4-BE49-F238E27FC236}">
+                <a16:creationId xmlns:a16="http://schemas.microsoft.com/office/drawing/2014/main" id="{94D606AD-13B5-42F5-A537-260A5E781A9A}"/>
+              </a:ext>
+            </a:extLst>
+          </p:cNvPr>
+          <p:cNvSpPr txBox="1"/>
+          <p:nvPr/>
+        </p:nvSpPr>
+        <p:spPr>
+          <a:xfrm>
+            <a:off x="9659037" y="1153546"/>
+            <a:ext cx="788565" cy="307777"/>
+          </a:xfrm>
+          <a:prstGeom prst="rect">
+            <a:avLst/>
+          </a:prstGeom>
+          <a:noFill/>
+        </p:spPr>
+        <p:txBody>
+          <a:bodyPr wrap="square" rtlCol="0">
+            <a:spAutoFit/>
+          </a:bodyPr>
+          <a:lstStyle/>
+          <a:p>
+            <a:r>
+              <a:rPr lang="pt-BR" sz="1400" dirty="0">
+                <a:latin typeface="Times New Roman" panose="02020603050405020304" pitchFamily="18" charset="0"/>
+                <a:cs typeface="Times New Roman" panose="02020603050405020304" pitchFamily="18" charset="0"/>
+              </a:rPr>
+              <a:t>Figura 1</a:t>
+            </a:r>
+          </a:p>
+        </p:txBody>
+      </p:sp>
     </p:spTree>
     <p:extLst>
       <p:ext uri="{BB962C8B-B14F-4D97-AF65-F5344CB8AC3E}">
@@ -8029,6 +7545,44 @@
           </a:ln>
         </p:spPr>
       </p:pic>
+      <p:sp>
+        <p:nvSpPr>
+          <p:cNvPr id="6" name="CaixaDeTexto 5">
+            <a:extLst>
+              <a:ext uri="{FF2B5EF4-FFF2-40B4-BE49-F238E27FC236}">
+                <a16:creationId xmlns:a16="http://schemas.microsoft.com/office/drawing/2014/main" id="{5FD9BD4E-3FD6-4676-863D-3334959CC20B}"/>
+              </a:ext>
+            </a:extLst>
+          </p:cNvPr>
+          <p:cNvSpPr txBox="1"/>
+          <p:nvPr/>
+        </p:nvSpPr>
+        <p:spPr>
+          <a:xfrm>
+            <a:off x="8917992" y="4928592"/>
+            <a:ext cx="788565" cy="307777"/>
+          </a:xfrm>
+          <a:prstGeom prst="rect">
+            <a:avLst/>
+          </a:prstGeom>
+          <a:noFill/>
+        </p:spPr>
+        <p:txBody>
+          <a:bodyPr wrap="square" rtlCol="0">
+            <a:spAutoFit/>
+          </a:bodyPr>
+          <a:lstStyle/>
+          <a:p>
+            <a:r>
+              <a:rPr lang="pt-BR" sz="1400" dirty="0">
+                <a:latin typeface="Times New Roman" panose="02020603050405020304" pitchFamily="18" charset="0"/>
+                <a:cs typeface="Times New Roman" panose="02020603050405020304" pitchFamily="18" charset="0"/>
+              </a:rPr>
+              <a:t>Figura 2</a:t>
+            </a:r>
+          </a:p>
+        </p:txBody>
+      </p:sp>
     </p:spTree>
     <p:extLst>
       <p:ext uri="{BB962C8B-B14F-4D97-AF65-F5344CB8AC3E}">
